--- a/工作日報_葉柏漢/2021.07/2021.07.26工作日報_葉柏漢.pptx
+++ b/工作日報_葉柏漢/2021.07/2021.07.26工作日報_葉柏漢.pptx
@@ -6,16 +6,18 @@
     <p:sldMasterId id="2147483660" r:id="rId2"/>
   </p:sldMasterIdLst>
   <p:notesMasterIdLst>
-    <p:notesMasterId r:id="rId10"/>
+    <p:notesMasterId r:id="rId12"/>
   </p:notesMasterIdLst>
   <p:sldIdLst>
     <p:sldId id="256" r:id="rId3"/>
     <p:sldId id="260" r:id="rId4"/>
     <p:sldId id="261" r:id="rId5"/>
     <p:sldId id="284" r:id="rId6"/>
-    <p:sldId id="283" r:id="rId7"/>
-    <p:sldId id="282" r:id="rId8"/>
-    <p:sldId id="280" r:id="rId9"/>
+    <p:sldId id="285" r:id="rId7"/>
+    <p:sldId id="283" r:id="rId8"/>
+    <p:sldId id="286" r:id="rId9"/>
+    <p:sldId id="282" r:id="rId10"/>
+    <p:sldId id="280" r:id="rId11"/>
   </p:sldIdLst>
   <p:sldSz cx="12192000" cy="6858000"/>
   <p:notesSz cx="6858000" cy="9144000"/>
@@ -116,7 +118,7 @@
   </p:defaultTextStyle>
   <p:extLst>
     <p:ext uri="{EFAFB233-063F-42B5-8137-9DF3F51BA10A}">
-      <p15:sldGuideLst xmlns:p15="http://schemas.microsoft.com/office/powerpoint/2012/main" xmlns="">
+      <p15:sldGuideLst xmlns:p15="http://schemas.microsoft.com/office/powerpoint/2012/main">
         <p15:guide id="1" orient="horz" pos="2160" userDrawn="1">
           <p15:clr>
             <a:srgbClr val="A4A3A4"/>
@@ -4378,7 +4380,7 @@
           <p:cNvPr id="18" name="矩形: 圆角 17">
             <a:extLst>
               <a:ext uri="{FF2B5EF4-FFF2-40B4-BE49-F238E27FC236}">
-                <a16:creationId xmlns:a16="http://schemas.microsoft.com/office/drawing/2014/main" xmlns="" id="{822EAB1A-0613-4B84-B43A-020769A84C2F}"/>
+                <a16:creationId xmlns:a16="http://schemas.microsoft.com/office/drawing/2014/main" id="{822EAB1A-0613-4B84-B43A-020769A84C2F}"/>
               </a:ext>
             </a:extLst>
           </p:cNvPr>
@@ -4444,7 +4446,7 @@
           <p:cNvPr id="4" name="矩形: 圆角 3">
             <a:extLst>
               <a:ext uri="{FF2B5EF4-FFF2-40B4-BE49-F238E27FC236}">
-                <a16:creationId xmlns:a16="http://schemas.microsoft.com/office/drawing/2014/main" xmlns="" id="{CFAF4C25-9AB4-4329-B21C-0F7CB88F0784}"/>
+                <a16:creationId xmlns:a16="http://schemas.microsoft.com/office/drawing/2014/main" id="{CFAF4C25-9AB4-4329-B21C-0F7CB88F0784}"/>
               </a:ext>
             </a:extLst>
           </p:cNvPr>
@@ -4510,7 +4512,7 @@
           <p:cNvPr id="5" name="文本框 4">
             <a:extLst>
               <a:ext uri="{FF2B5EF4-FFF2-40B4-BE49-F238E27FC236}">
-                <a16:creationId xmlns:a16="http://schemas.microsoft.com/office/drawing/2014/main" xmlns="" id="{959F8909-6800-4D81-9559-FFAEB41A80C1}"/>
+                <a16:creationId xmlns:a16="http://schemas.microsoft.com/office/drawing/2014/main" id="{959F8909-6800-4D81-9559-FFAEB41A80C1}"/>
               </a:ext>
             </a:extLst>
           </p:cNvPr>
@@ -4560,7 +4562,7 @@
           <p:cNvPr id="6" name="文本框 5">
             <a:extLst>
               <a:ext uri="{FF2B5EF4-FFF2-40B4-BE49-F238E27FC236}">
-                <a16:creationId xmlns:a16="http://schemas.microsoft.com/office/drawing/2014/main" xmlns="" id="{F8829203-F363-4337-ACAC-0D2C4AE6A337}"/>
+                <a16:creationId xmlns:a16="http://schemas.microsoft.com/office/drawing/2014/main" id="{F8829203-F363-4337-ACAC-0D2C4AE6A337}"/>
               </a:ext>
             </a:extLst>
           </p:cNvPr>
@@ -4627,7 +4629,7 @@
           <p:cNvPr id="8" name="椭圆 7">
             <a:extLst>
               <a:ext uri="{FF2B5EF4-FFF2-40B4-BE49-F238E27FC236}">
-                <a16:creationId xmlns:a16="http://schemas.microsoft.com/office/drawing/2014/main" xmlns="" id="{08B93554-9443-4291-83BC-91BEC5088783}"/>
+                <a16:creationId xmlns:a16="http://schemas.microsoft.com/office/drawing/2014/main" id="{08B93554-9443-4291-83BC-91BEC5088783}"/>
               </a:ext>
             </a:extLst>
           </p:cNvPr>
@@ -4689,7 +4691,7 @@
           <p:cNvPr id="9" name="椭圆 8">
             <a:extLst>
               <a:ext uri="{FF2B5EF4-FFF2-40B4-BE49-F238E27FC236}">
-                <a16:creationId xmlns:a16="http://schemas.microsoft.com/office/drawing/2014/main" xmlns="" id="{16338DEE-2916-4AC7-A537-1507B9F2A824}"/>
+                <a16:creationId xmlns:a16="http://schemas.microsoft.com/office/drawing/2014/main" id="{16338DEE-2916-4AC7-A537-1507B9F2A824}"/>
               </a:ext>
             </a:extLst>
           </p:cNvPr>
@@ -4751,7 +4753,7 @@
           <p:cNvPr id="13" name="组合 12">
             <a:extLst>
               <a:ext uri="{FF2B5EF4-FFF2-40B4-BE49-F238E27FC236}">
-                <a16:creationId xmlns:a16="http://schemas.microsoft.com/office/drawing/2014/main" xmlns="" id="{C0EF9AE3-F1B9-443C-9F86-CDF322936010}"/>
+                <a16:creationId xmlns:a16="http://schemas.microsoft.com/office/drawing/2014/main" id="{C0EF9AE3-F1B9-443C-9F86-CDF322936010}"/>
               </a:ext>
             </a:extLst>
           </p:cNvPr>
@@ -4771,7 +4773,7 @@
             <p:cNvPr id="12" name="矩形: 圆角 11">
               <a:extLst>
                 <a:ext uri="{FF2B5EF4-FFF2-40B4-BE49-F238E27FC236}">
-                  <a16:creationId xmlns:a16="http://schemas.microsoft.com/office/drawing/2014/main" xmlns="" id="{4E9D624C-B884-49D6-955A-058878E5E13C}"/>
+                  <a16:creationId xmlns:a16="http://schemas.microsoft.com/office/drawing/2014/main" id="{4E9D624C-B884-49D6-955A-058878E5E13C}"/>
                 </a:ext>
               </a:extLst>
             </p:cNvPr>
@@ -4835,7 +4837,7 @@
             <p:cNvPr id="10" name="文本框 9">
               <a:extLst>
                 <a:ext uri="{FF2B5EF4-FFF2-40B4-BE49-F238E27FC236}">
-                  <a16:creationId xmlns:a16="http://schemas.microsoft.com/office/drawing/2014/main" xmlns="" id="{D7F488F0-218D-4123-B444-742EAD00AD0E}"/>
+                  <a16:creationId xmlns:a16="http://schemas.microsoft.com/office/drawing/2014/main" id="{D7F488F0-218D-4123-B444-742EAD00AD0E}"/>
                 </a:ext>
               </a:extLst>
             </p:cNvPr>
@@ -4893,7 +4895,7 @@
           <p:cNvPr id="16" name="组合 15">
             <a:extLst>
               <a:ext uri="{FF2B5EF4-FFF2-40B4-BE49-F238E27FC236}">
-                <a16:creationId xmlns:a16="http://schemas.microsoft.com/office/drawing/2014/main" xmlns="" id="{9653DEAF-0910-48E8-8375-9FC078E9D0D6}"/>
+                <a16:creationId xmlns:a16="http://schemas.microsoft.com/office/drawing/2014/main" id="{9653DEAF-0910-48E8-8375-9FC078E9D0D6}"/>
               </a:ext>
             </a:extLst>
           </p:cNvPr>
@@ -4913,7 +4915,7 @@
             <p:cNvPr id="15" name="矩形: 圆角 14">
               <a:extLst>
                 <a:ext uri="{FF2B5EF4-FFF2-40B4-BE49-F238E27FC236}">
-                  <a16:creationId xmlns:a16="http://schemas.microsoft.com/office/drawing/2014/main" xmlns="" id="{CC29E14A-0550-4BFF-99D2-A94938E4EB84}"/>
+                  <a16:creationId xmlns:a16="http://schemas.microsoft.com/office/drawing/2014/main" id="{CC29E14A-0550-4BFF-99D2-A94938E4EB84}"/>
                 </a:ext>
               </a:extLst>
             </p:cNvPr>
@@ -4977,7 +4979,7 @@
             <p:cNvPr id="11" name="文本框 10">
               <a:extLst>
                 <a:ext uri="{FF2B5EF4-FFF2-40B4-BE49-F238E27FC236}">
-                  <a16:creationId xmlns:a16="http://schemas.microsoft.com/office/drawing/2014/main" xmlns="" id="{333307C3-A861-42E7-A2DA-6BAC1BCA9E3C}"/>
+                  <a16:creationId xmlns:a16="http://schemas.microsoft.com/office/drawing/2014/main" id="{333307C3-A861-42E7-A2DA-6BAC1BCA9E3C}"/>
                 </a:ext>
               </a:extLst>
             </p:cNvPr>
@@ -5035,7 +5037,7 @@
           <p:cNvPr id="17" name="组合 15">
             <a:extLst>
               <a:ext uri="{FF2B5EF4-FFF2-40B4-BE49-F238E27FC236}">
-                <a16:creationId xmlns:a16="http://schemas.microsoft.com/office/drawing/2014/main" xmlns="" id="{9653DEAF-0910-48E8-8375-9FC078E9D0D6}"/>
+                <a16:creationId xmlns:a16="http://schemas.microsoft.com/office/drawing/2014/main" id="{9653DEAF-0910-48E8-8375-9FC078E9D0D6}"/>
               </a:ext>
             </a:extLst>
           </p:cNvPr>
@@ -5055,7 +5057,7 @@
             <p:cNvPr id="19" name="矩形: 圆角 14">
               <a:extLst>
                 <a:ext uri="{FF2B5EF4-FFF2-40B4-BE49-F238E27FC236}">
-                  <a16:creationId xmlns:a16="http://schemas.microsoft.com/office/drawing/2014/main" xmlns="" id="{CC29E14A-0550-4BFF-99D2-A94938E4EB84}"/>
+                  <a16:creationId xmlns:a16="http://schemas.microsoft.com/office/drawing/2014/main" id="{CC29E14A-0550-4BFF-99D2-A94938E4EB84}"/>
                 </a:ext>
               </a:extLst>
             </p:cNvPr>
@@ -5119,7 +5121,7 @@
             <p:cNvPr id="20" name="文本框 10">
               <a:extLst>
                 <a:ext uri="{FF2B5EF4-FFF2-40B4-BE49-F238E27FC236}">
-                  <a16:creationId xmlns:a16="http://schemas.microsoft.com/office/drawing/2014/main" xmlns="" id="{333307C3-A861-42E7-A2DA-6BAC1BCA9E3C}"/>
+                  <a16:creationId xmlns:a16="http://schemas.microsoft.com/office/drawing/2014/main" id="{333307C3-A861-42E7-A2DA-6BAC1BCA9E3C}"/>
                 </a:ext>
               </a:extLst>
             </p:cNvPr>
@@ -5198,7 +5200,7 @@
         <p:random/>
       </p:transition>
     </mc:Choice>
-    <mc:Fallback xmlns:a16="http://schemas.microsoft.com/office/drawing/2014/main" xmlns="">
+    <mc:Fallback xmlns="" xmlns:a16="http://schemas.microsoft.com/office/drawing/2014/main">
       <p:transition spd="slow" advTm="4078">
         <p:random/>
       </p:transition>
@@ -5655,7 +5657,7 @@
           <p:cNvPr id="7" name="组合 6">
             <a:extLst>
               <a:ext uri="{FF2B5EF4-FFF2-40B4-BE49-F238E27FC236}">
-                <a16:creationId xmlns:a16="http://schemas.microsoft.com/office/drawing/2014/main" xmlns="" id="{5016DF47-4C78-4917-983C-FFC43C3A22DB}"/>
+                <a16:creationId xmlns:a16="http://schemas.microsoft.com/office/drawing/2014/main" id="{5016DF47-4C78-4917-983C-FFC43C3A22DB}"/>
               </a:ext>
             </a:extLst>
           </p:cNvPr>
@@ -5675,7 +5677,7 @@
             <p:cNvPr id="4" name="文本框 3">
               <a:extLst>
                 <a:ext uri="{FF2B5EF4-FFF2-40B4-BE49-F238E27FC236}">
-                  <a16:creationId xmlns:a16="http://schemas.microsoft.com/office/drawing/2014/main" xmlns="" id="{09FE6907-8676-429A-9B5A-DC3FAFE110A8}"/>
+                  <a16:creationId xmlns:a16="http://schemas.microsoft.com/office/drawing/2014/main" id="{09FE6907-8676-429A-9B5A-DC3FAFE110A8}"/>
                 </a:ext>
               </a:extLst>
             </p:cNvPr>
@@ -5717,7 +5719,7 @@
             <p:cNvPr id="6" name="文本框 5">
               <a:extLst>
                 <a:ext uri="{FF2B5EF4-FFF2-40B4-BE49-F238E27FC236}">
-                  <a16:creationId xmlns:a16="http://schemas.microsoft.com/office/drawing/2014/main" xmlns="" id="{6123FD62-F930-464F-86A1-4D1030B58358}"/>
+                  <a16:creationId xmlns:a16="http://schemas.microsoft.com/office/drawing/2014/main" id="{6123FD62-F930-464F-86A1-4D1030B58358}"/>
                 </a:ext>
               </a:extLst>
             </p:cNvPr>
@@ -5774,7 +5776,7 @@
           <p:cNvPr id="8" name="文本框 7">
             <a:extLst>
               <a:ext uri="{FF2B5EF4-FFF2-40B4-BE49-F238E27FC236}">
-                <a16:creationId xmlns:a16="http://schemas.microsoft.com/office/drawing/2014/main" xmlns="" id="{61D68AC2-6217-4618-9FF2-2840E7AAD8C2}"/>
+                <a16:creationId xmlns:a16="http://schemas.microsoft.com/office/drawing/2014/main" id="{61D68AC2-6217-4618-9FF2-2840E7AAD8C2}"/>
               </a:ext>
             </a:extLst>
           </p:cNvPr>
@@ -5806,29 +5808,33 @@
                 <a:cs typeface="+mn-ea"/>
                 <a:sym typeface="+mn-lt"/>
               </a:rPr>
-              <a:t>將溫室型式設計的功能完成</a:t>
+              <a:t>修改</a:t>
+            </a:r>
+            <a:r>
+              <a:rPr lang="zh-TW" altLang="en-US" sz="2000" spc="400" dirty="0">
+                <a:cs typeface="+mn-ea"/>
+                <a:sym typeface="+mn-lt"/>
+              </a:rPr>
+              <a:t>溫室基本資訊</a:t>
+            </a:r>
+            <a:r>
+              <a:rPr lang="zh-TW" altLang="en-US" sz="2000" spc="400" dirty="0" smtClean="0">
+                <a:cs typeface="+mn-ea"/>
+                <a:sym typeface="+mn-lt"/>
+              </a:rPr>
+              <a:t>輸入的</a:t>
             </a:r>
             <a:r>
               <a:rPr lang="en-US" altLang="zh-TW" sz="2000" spc="400" dirty="0" smtClean="0">
                 <a:cs typeface="+mn-ea"/>
                 <a:sym typeface="+mn-lt"/>
               </a:rPr>
-              <a:t>(</a:t>
-            </a:r>
-            <a:r>
-              <a:rPr lang="zh-TW" altLang="en-US" sz="2000" spc="400" dirty="0" smtClean="0">
-                <a:cs typeface="+mn-ea"/>
-                <a:sym typeface="+mn-lt"/>
-              </a:rPr>
-              <a:t>還有一點</a:t>
-            </a:r>
-            <a:r>
-              <a:rPr lang="en-US" altLang="zh-TW" sz="2000" spc="400" dirty="0" smtClean="0">
-                <a:cs typeface="+mn-ea"/>
-                <a:sym typeface="+mn-lt"/>
-              </a:rPr>
-              <a:t>bug)</a:t>
-            </a:r>
+              <a:t>BUG</a:t>
+            </a:r>
+            <a:endParaRPr lang="en-US" altLang="zh-TW" sz="2000" spc="400" dirty="0" smtClean="0">
+              <a:cs typeface="+mn-ea"/>
+              <a:sym typeface="+mn-lt"/>
+            </a:endParaRPr>
           </a:p>
           <a:p>
             <a:pPr marL="342900" indent="-342900">
@@ -5846,25 +5852,11 @@
               <a:buChar char="l"/>
             </a:pPr>
             <a:r>
-              <a:rPr lang="zh-TW" altLang="en-US" sz="2000" spc="400" dirty="0">
-                <a:cs typeface="+mn-ea"/>
-                <a:sym typeface="+mn-lt"/>
-              </a:rPr>
-              <a:t>刻好溫室型式設計</a:t>
-            </a:r>
-            <a:r>
               <a:rPr lang="zh-TW" altLang="en-US" sz="2000" spc="400" dirty="0" smtClean="0">
                 <a:cs typeface="+mn-ea"/>
                 <a:sym typeface="+mn-lt"/>
               </a:rPr>
-              <a:t>的</a:t>
-            </a:r>
-            <a:r>
-              <a:rPr lang="zh-TW" altLang="en-US" sz="2000" spc="400" dirty="0">
-                <a:cs typeface="+mn-ea"/>
-                <a:sym typeface="+mn-lt"/>
-              </a:rPr>
-              <a:t>介面</a:t>
+              <a:t>修改溫室型式設計</a:t>
             </a:r>
             <a:endParaRPr lang="en-US" altLang="zh-TW" sz="2000" spc="400" dirty="0" smtClean="0">
               <a:cs typeface="+mn-ea"/>
@@ -5891,7 +5883,7 @@
                 <a:cs typeface="+mn-ea"/>
                 <a:sym typeface="+mn-lt"/>
               </a:rPr>
-              <a:t>修改側邊選單的字體</a:t>
+              <a:t>修改光溫控設計</a:t>
             </a:r>
             <a:endParaRPr lang="en-US" altLang="zh-TW" sz="2000" spc="400" dirty="0" smtClean="0">
               <a:cs typeface="+mn-ea"/>
@@ -5949,7 +5941,7 @@
         <p:random/>
       </p:transition>
     </mc:Choice>
-    <mc:Fallback xmlns:a14="http://schemas.microsoft.com/office/drawing/2010/main" xmlns:a16="http://schemas.microsoft.com/office/drawing/2014/main" xmlns="">
+    <mc:Fallback xmlns="" xmlns:a16="http://schemas.microsoft.com/office/drawing/2014/main" xmlns:a14="http://schemas.microsoft.com/office/drawing/2010/main">
       <p:transition spd="slow" advTm="4024">
         <p:random/>
       </p:transition>
@@ -6114,66 +6106,12 @@
           <a:chExt cx="0" cy="0"/>
         </a:xfrm>
       </p:grpSpPr>
-      <p:pic>
-        <p:nvPicPr>
-          <p:cNvPr id="1027" name="Picture 3"/>
-          <p:cNvPicPr>
-            <a:picLocks noChangeAspect="1" noChangeArrowheads="1"/>
-          </p:cNvPicPr>
-          <p:nvPr/>
-        </p:nvPicPr>
-        <p:blipFill>
-          <a:blip r:embed="rId3">
-            <a:extLst>
-              <a:ext uri="{28A0092B-C50C-407E-A947-70E740481C1C}">
-                <a14:useLocalDpi xmlns:a14="http://schemas.microsoft.com/office/drawing/2010/main" val="0"/>
-              </a:ext>
-            </a:extLst>
-          </a:blip>
-          <a:srcRect/>
-          <a:stretch>
-            <a:fillRect/>
-          </a:stretch>
-        </p:blipFill>
-        <p:spPr bwMode="auto">
-          <a:xfrm>
-            <a:off x="2000580" y="1764161"/>
-            <a:ext cx="8554840" cy="4816287"/>
-          </a:xfrm>
-          <a:prstGeom prst="rect">
-            <a:avLst/>
-          </a:prstGeom>
-          <a:noFill/>
-          <a:ln>
-            <a:noFill/>
-          </a:ln>
-          <a:extLst>
-            <a:ext uri="{909E8E84-426E-40DD-AFC4-6F175D3DCCD1}">
-              <a14:hiddenFill xmlns:a14="http://schemas.microsoft.com/office/drawing/2010/main">
-                <a:solidFill>
-                  <a:schemeClr val="accent1"/>
-                </a:solidFill>
-              </a14:hiddenFill>
-            </a:ext>
-            <a:ext uri="{91240B29-F687-4F45-9708-019B960494DF}">
-              <a14:hiddenLine xmlns:a14="http://schemas.microsoft.com/office/drawing/2010/main" w="9525">
-                <a:solidFill>
-                  <a:schemeClr val="tx1"/>
-                </a:solidFill>
-                <a:miter lim="800000"/>
-                <a:headEnd/>
-                <a:tailEnd/>
-              </a14:hiddenLine>
-            </a:ext>
-          </a:extLst>
-        </p:spPr>
-      </p:pic>
       <p:sp>
         <p:nvSpPr>
           <p:cNvPr id="2" name="矩形 1">
             <a:extLst>
               <a:ext uri="{FF2B5EF4-FFF2-40B4-BE49-F238E27FC236}">
-                <a16:creationId xmlns:a16="http://schemas.microsoft.com/office/drawing/2014/main" xmlns="" id="{6130B33B-FCB5-4AFA-8175-BA08126D80E1}"/>
+                <a16:creationId xmlns:a16="http://schemas.microsoft.com/office/drawing/2014/main" id="{6130B33B-FCB5-4AFA-8175-BA08126D80E1}"/>
               </a:ext>
             </a:extLst>
           </p:cNvPr>
@@ -6231,7 +6169,7 @@
           <p:cNvPr id="3" name="组合 2">
             <a:extLst>
               <a:ext uri="{FF2B5EF4-FFF2-40B4-BE49-F238E27FC236}">
-                <a16:creationId xmlns:a16="http://schemas.microsoft.com/office/drawing/2014/main" xmlns="" id="{CF3B8F59-C87E-48F7-911B-3FCC3B1922F9}"/>
+                <a16:creationId xmlns:a16="http://schemas.microsoft.com/office/drawing/2014/main" id="{CF3B8F59-C87E-48F7-911B-3FCC3B1922F9}"/>
               </a:ext>
             </a:extLst>
           </p:cNvPr>
@@ -6241,9 +6179,9 @@
         <p:grpSpPr>
           <a:xfrm>
             <a:off x="2754561" y="787600"/>
-            <a:ext cx="6731001" cy="976561"/>
+            <a:ext cx="6676294" cy="976561"/>
             <a:chOff x="661187" y="1991896"/>
-            <a:chExt cx="3515773" cy="1083521"/>
+            <a:chExt cx="3487198" cy="1083521"/>
           </a:xfrm>
         </p:grpSpPr>
         <p:sp>
@@ -6251,7 +6189,7 @@
             <p:cNvPr id="4" name="文本框 3">
               <a:extLst>
                 <a:ext uri="{FF2B5EF4-FFF2-40B4-BE49-F238E27FC236}">
-                  <a16:creationId xmlns:a16="http://schemas.microsoft.com/office/drawing/2014/main" xmlns="" id="{F069F7C5-7C6B-4416-BA43-7E9FF2B95F70}"/>
+                  <a16:creationId xmlns:a16="http://schemas.microsoft.com/office/drawing/2014/main" id="{F069F7C5-7C6B-4416-BA43-7E9FF2B95F70}"/>
                 </a:ext>
               </a:extLst>
             </p:cNvPr>
@@ -6261,7 +6199,7 @@
           <p:spPr>
             <a:xfrm>
               <a:off x="661187" y="1991896"/>
-              <a:ext cx="3515773" cy="785419"/>
+              <a:ext cx="3400448" cy="785419"/>
             </a:xfrm>
             <a:prstGeom prst="rect">
               <a:avLst/>
@@ -6274,18 +6212,20 @@
             </a:bodyPr>
             <a:lstStyle/>
             <a:p>
-              <a:pPr algn="ctr"/>
               <a:r>
                 <a:rPr lang="zh-TW" altLang="en-US" sz="4000" spc="400" dirty="0">
                   <a:cs typeface="+mn-ea"/>
                   <a:sym typeface="+mn-lt"/>
                 </a:rPr>
-                <a:t>溫室型式設計</a:t>
+                <a:t>溫室基本資訊輸入的</a:t>
               </a:r>
-              <a:endParaRPr lang="zh-CN" altLang="en-US" sz="4000" dirty="0">
-                <a:cs typeface="+mn-ea"/>
-                <a:sym typeface="+mn-lt"/>
-              </a:endParaRPr>
+              <a:r>
+                <a:rPr lang="en-US" altLang="zh-TW" sz="4000" spc="400" dirty="0">
+                  <a:cs typeface="+mn-ea"/>
+                  <a:sym typeface="+mn-lt"/>
+                </a:rPr>
+                <a:t>BUG</a:t>
+              </a:r>
             </a:p>
           </p:txBody>
         </p:sp>
@@ -6294,7 +6234,7 @@
             <p:cNvPr id="5" name="文本框 4">
               <a:extLst>
                 <a:ext uri="{FF2B5EF4-FFF2-40B4-BE49-F238E27FC236}">
-                  <a16:creationId xmlns:a16="http://schemas.microsoft.com/office/drawing/2014/main" xmlns="" id="{E7404F6D-3A40-4203-8F0A-6169C74FB4CA}"/>
+                  <a16:creationId xmlns:a16="http://schemas.microsoft.com/office/drawing/2014/main" id="{E7404F6D-3A40-4203-8F0A-6169C74FB4CA}"/>
                 </a:ext>
               </a:extLst>
             </p:cNvPr>
@@ -6342,56 +6282,14 @@
       </p:grpSp>
       <p:sp>
         <p:nvSpPr>
-          <p:cNvPr id="7" name="文字方塊 6"/>
-          <p:cNvSpPr txBox="1"/>
-          <p:nvPr/>
-        </p:nvSpPr>
-        <p:spPr>
-          <a:xfrm>
-            <a:off x="7162798" y="3780740"/>
-            <a:ext cx="3084624" cy="646331"/>
-          </a:xfrm>
-          <a:prstGeom prst="rect">
-            <a:avLst/>
-          </a:prstGeom>
-          <a:noFill/>
-        </p:spPr>
-        <p:txBody>
-          <a:bodyPr wrap="square" rtlCol="0">
-            <a:spAutoFit/>
-          </a:bodyPr>
-          <a:lstStyle/>
-          <a:p>
-            <a:r>
-              <a:rPr lang="zh-TW" altLang="en-US" dirty="0" smtClean="0"/>
-              <a:t>這裡之後會填入知識庫資料</a:t>
-            </a:r>
-            <a:r>
-              <a:rPr lang="en-US" altLang="zh-TW" dirty="0" smtClean="0"/>
-              <a:t>(</a:t>
-            </a:r>
-            <a:r>
-              <a:rPr lang="zh-TW" altLang="en-US" dirty="0" smtClean="0"/>
-              <a:t>總監會給</a:t>
-            </a:r>
-            <a:r>
-              <a:rPr lang="en-US" altLang="zh-TW" dirty="0" smtClean="0"/>
-              <a:t>)</a:t>
-            </a:r>
-            <a:endParaRPr lang="zh-TW" altLang="en-US" dirty="0"/>
-          </a:p>
-        </p:txBody>
-      </p:sp>
-      <p:sp>
-        <p:nvSpPr>
-          <p:cNvPr id="13" name="向右箭號 12"/>
+          <p:cNvPr id="8" name="向右箭號 7"/>
           <p:cNvSpPr/>
           <p:nvPr/>
         </p:nvSpPr>
         <p:spPr>
-          <a:xfrm rot="9235586">
-            <a:off x="8181975" y="2571750"/>
-            <a:ext cx="581025" cy="466725"/>
+          <a:xfrm rot="15766498">
+            <a:off x="3476444" y="4444195"/>
+            <a:ext cx="569344" cy="393699"/>
           </a:xfrm>
           <a:prstGeom prst="rightArrow">
             <a:avLst/>
@@ -6422,16 +6320,40 @@
           </a:p>
         </p:txBody>
       </p:sp>
-      <p:sp>
-        <p:nvSpPr>
-          <p:cNvPr id="16" name="文字方塊 15"/>
+      <p:pic>
+        <p:nvPicPr>
+          <p:cNvPr id="9" name="圖片 8"/>
+          <p:cNvPicPr>
+            <a:picLocks noChangeAspect="1"/>
+          </p:cNvPicPr>
+          <p:nvPr/>
+        </p:nvPicPr>
+        <p:blipFill>
+          <a:blip r:embed="rId3"/>
+          <a:stretch>
+            <a:fillRect/>
+          </a:stretch>
+        </p:blipFill>
+        <p:spPr>
+          <a:xfrm>
+            <a:off x="1747837" y="2524125"/>
+            <a:ext cx="8696325" cy="1809750"/>
+          </a:xfrm>
+          <a:prstGeom prst="rect">
+            <a:avLst/>
+          </a:prstGeom>
+        </p:spPr>
+      </p:pic>
+      <p:sp>
+        <p:nvSpPr>
+          <p:cNvPr id="10" name="文字方塊 9"/>
           <p:cNvSpPr txBox="1"/>
           <p:nvPr/>
         </p:nvSpPr>
         <p:spPr>
           <a:xfrm>
-            <a:off x="8753475" y="2295525"/>
-            <a:ext cx="2743200" cy="369332"/>
+            <a:off x="2872597" y="5244860"/>
+            <a:ext cx="1371600" cy="369332"/>
           </a:xfrm>
           <a:prstGeom prst="rect">
             <a:avLst/>
@@ -6445,151 +6367,157 @@
           <a:lstStyle/>
           <a:p>
             <a:r>
+              <a:rPr lang="en-US" altLang="zh-TW" dirty="0" smtClean="0"/>
+              <a:t>%</a:t>
+            </a:r>
+            <a:r>
               <a:rPr lang="zh-TW" altLang="en-US" dirty="0" smtClean="0"/>
-              <a:t>對應到溫室設計的選項</a:t>
+              <a:t>數修改好</a:t>
             </a:r>
             <a:endParaRPr lang="zh-TW" altLang="en-US" dirty="0"/>
           </a:p>
         </p:txBody>
       </p:sp>
-      <p:cxnSp>
-        <p:nvCxnSpPr>
-          <p:cNvPr id="19" name="直線單箭頭接點 18"/>
-          <p:cNvCxnSpPr>
-            <a:stCxn id="16" idx="1"/>
-          </p:cNvCxnSpPr>
+      <p:sp>
+        <p:nvSpPr>
+          <p:cNvPr id="18" name="文字方塊 17"/>
+          <p:cNvSpPr txBox="1"/>
           <p:nvPr/>
-        </p:nvCxnSpPr>
+        </p:nvSpPr>
         <p:spPr>
-          <a:xfrm flipH="1">
-            <a:off x="3181350" y="2480191"/>
-            <a:ext cx="5572125" cy="1692113"/>
+          <a:xfrm>
+            <a:off x="2419125" y="1886118"/>
+            <a:ext cx="1371600" cy="369332"/>
           </a:xfrm>
-          <a:prstGeom prst="straightConnector1">
+          <a:prstGeom prst="rect">
             <a:avLst/>
           </a:prstGeom>
-          <a:ln>
-            <a:tailEnd type="arrow"/>
-          </a:ln>
+          <a:noFill/>
+        </p:spPr>
+        <p:txBody>
+          <a:bodyPr wrap="square" rtlCol="0">
+            <a:spAutoFit/>
+          </a:bodyPr>
+          <a:lstStyle/>
+          <a:p>
+            <a:r>
+              <a:rPr lang="zh-TW" altLang="en-US" dirty="0" smtClean="0"/>
+              <a:t>修改名稱</a:t>
+            </a:r>
+            <a:endParaRPr lang="zh-TW" altLang="en-US" dirty="0"/>
+          </a:p>
+        </p:txBody>
+      </p:sp>
+      <p:sp>
+        <p:nvSpPr>
+          <p:cNvPr id="11" name="向右箭號 10"/>
+          <p:cNvSpPr/>
+          <p:nvPr/>
+        </p:nvSpPr>
+        <p:spPr>
+          <a:xfrm rot="3741454">
+            <a:off x="3559636" y="2319571"/>
+            <a:ext cx="462178" cy="365997"/>
+          </a:xfrm>
+          <a:prstGeom prst="rightArrow">
+            <a:avLst/>
+          </a:prstGeom>
         </p:spPr>
         <p:style>
-          <a:lnRef idx="1">
-            <a:schemeClr val="accent1"/>
+          <a:lnRef idx="2">
+            <a:schemeClr val="accent1">
+              <a:shade val="50000"/>
+            </a:schemeClr>
           </a:lnRef>
-          <a:fillRef idx="0">
+          <a:fillRef idx="1">
             <a:schemeClr val="accent1"/>
           </a:fillRef>
           <a:effectRef idx="0">
             <a:schemeClr val="accent1"/>
           </a:effectRef>
           <a:fontRef idx="minor">
-            <a:schemeClr val="tx1"/>
+            <a:schemeClr val="lt1"/>
           </a:fontRef>
         </p:style>
-      </p:cxnSp>
-      <p:cxnSp>
-        <p:nvCxnSpPr>
-          <p:cNvPr id="21" name="直線單箭頭接點 20"/>
-          <p:cNvCxnSpPr>
-            <a:stCxn id="16" idx="1"/>
-          </p:cNvCxnSpPr>
+        <p:txBody>
+          <a:bodyPr rtlCol="0" anchor="ctr"/>
+          <a:lstStyle/>
+          <a:p>
+            <a:pPr algn="ctr"/>
+            <a:endParaRPr lang="zh-TW" altLang="en-US"/>
+          </a:p>
+        </p:txBody>
+      </p:sp>
+      <p:sp>
+        <p:nvSpPr>
+          <p:cNvPr id="20" name="文字方塊 19"/>
+          <p:cNvSpPr txBox="1"/>
           <p:nvPr/>
-        </p:nvCxnSpPr>
+        </p:nvSpPr>
         <p:spPr>
-          <a:xfrm flipH="1">
-            <a:off x="3267075" y="2480191"/>
-            <a:ext cx="5486400" cy="2358509"/>
+          <a:xfrm>
+            <a:off x="6443998" y="1848170"/>
+            <a:ext cx="1785601" cy="369332"/>
           </a:xfrm>
-          <a:prstGeom prst="straightConnector1">
+          <a:prstGeom prst="rect">
             <a:avLst/>
           </a:prstGeom>
-          <a:ln>
-            <a:tailEnd type="arrow"/>
-          </a:ln>
+          <a:noFill/>
+        </p:spPr>
+        <p:txBody>
+          <a:bodyPr wrap="square" rtlCol="0">
+            <a:spAutoFit/>
+          </a:bodyPr>
+          <a:lstStyle/>
+          <a:p>
+            <a:r>
+              <a:rPr lang="zh-TW" altLang="en-US" dirty="0" smtClean="0"/>
+              <a:t>修改成平方公尺</a:t>
+            </a:r>
+            <a:endParaRPr lang="zh-TW" altLang="en-US" dirty="0"/>
+          </a:p>
+        </p:txBody>
+      </p:sp>
+      <p:sp>
+        <p:nvSpPr>
+          <p:cNvPr id="22" name="向右箭號 21"/>
+          <p:cNvSpPr/>
+          <p:nvPr/>
+        </p:nvSpPr>
+        <p:spPr>
+          <a:xfrm rot="3741454">
+            <a:off x="7584510" y="2281623"/>
+            <a:ext cx="462178" cy="365997"/>
+          </a:xfrm>
+          <a:prstGeom prst="rightArrow">
+            <a:avLst/>
+          </a:prstGeom>
         </p:spPr>
         <p:style>
-          <a:lnRef idx="1">
-            <a:schemeClr val="accent1"/>
+          <a:lnRef idx="2">
+            <a:schemeClr val="accent1">
+              <a:shade val="50000"/>
+            </a:schemeClr>
           </a:lnRef>
-          <a:fillRef idx="0">
+          <a:fillRef idx="1">
             <a:schemeClr val="accent1"/>
           </a:fillRef>
           <a:effectRef idx="0">
             <a:schemeClr val="accent1"/>
           </a:effectRef>
           <a:fontRef idx="minor">
-            <a:schemeClr val="tx1"/>
+            <a:schemeClr val="lt1"/>
           </a:fontRef>
         </p:style>
-      </p:cxnSp>
-      <p:cxnSp>
-        <p:nvCxnSpPr>
-          <p:cNvPr id="23" name="直線單箭頭接點 22"/>
-          <p:cNvCxnSpPr/>
-          <p:nvPr/>
-        </p:nvCxnSpPr>
-        <p:spPr>
-          <a:xfrm flipH="1">
-            <a:off x="3267075" y="2480191"/>
-            <a:ext cx="5486400" cy="3063359"/>
-          </a:xfrm>
-          <a:prstGeom prst="straightConnector1">
-            <a:avLst/>
-          </a:prstGeom>
-          <a:ln>
-            <a:tailEnd type="arrow"/>
-          </a:ln>
-        </p:spPr>
-        <p:style>
-          <a:lnRef idx="1">
-            <a:schemeClr val="accent1"/>
-          </a:lnRef>
-          <a:fillRef idx="0">
-            <a:schemeClr val="accent1"/>
-          </a:fillRef>
-          <a:effectRef idx="0">
-            <a:schemeClr val="accent1"/>
-          </a:effectRef>
-          <a:fontRef idx="minor">
-            <a:schemeClr val="tx1"/>
-          </a:fontRef>
-        </p:style>
-      </p:cxnSp>
-      <p:cxnSp>
-        <p:nvCxnSpPr>
-          <p:cNvPr id="25" name="直線單箭頭接點 24"/>
-          <p:cNvCxnSpPr>
-            <a:stCxn id="16" idx="1"/>
-          </p:cNvCxnSpPr>
-          <p:nvPr/>
-        </p:nvCxnSpPr>
-        <p:spPr>
-          <a:xfrm flipH="1">
-            <a:off x="3267075" y="2480191"/>
-            <a:ext cx="5486400" cy="3663434"/>
-          </a:xfrm>
-          <a:prstGeom prst="straightConnector1">
-            <a:avLst/>
-          </a:prstGeom>
-          <a:ln>
-            <a:tailEnd type="arrow"/>
-          </a:ln>
-        </p:spPr>
-        <p:style>
-          <a:lnRef idx="1">
-            <a:schemeClr val="accent1"/>
-          </a:lnRef>
-          <a:fillRef idx="0">
-            <a:schemeClr val="accent1"/>
-          </a:fillRef>
-          <a:effectRef idx="0">
-            <a:schemeClr val="accent1"/>
-          </a:effectRef>
-          <a:fontRef idx="minor">
-            <a:schemeClr val="tx1"/>
-          </a:fontRef>
-        </p:style>
-      </p:cxnSp>
+        <p:txBody>
+          <a:bodyPr rtlCol="0" anchor="ctr"/>
+          <a:lstStyle/>
+          <a:p>
+            <a:pPr algn="ctr"/>
+            <a:endParaRPr lang="zh-TW" altLang="en-US"/>
+          </a:p>
+        </p:txBody>
+      </p:sp>
     </p:spTree>
     <p:custDataLst>
       <p:tags r:id="rId1"/>
@@ -6609,7 +6537,7 @@
         <p:random/>
       </p:transition>
     </mc:Choice>
-    <mc:Fallback xmlns:a14="http://schemas.microsoft.com/office/drawing/2010/main" xmlns:a16="http://schemas.microsoft.com/office/drawing/2014/main" xmlns="">
+    <mc:Fallback xmlns="" xmlns:a16="http://schemas.microsoft.com/office/drawing/2014/main" xmlns:a14="http://schemas.microsoft.com/office/drawing/2010/main">
       <p:transition spd="slow" advTm="3414">
         <p:random/>
       </p:transition>
@@ -6779,7 +6707,7 @@
           <p:cNvPr id="2" name="矩形 1">
             <a:extLst>
               <a:ext uri="{FF2B5EF4-FFF2-40B4-BE49-F238E27FC236}">
-                <a16:creationId xmlns:a16="http://schemas.microsoft.com/office/drawing/2014/main" xmlns="" id="{6130B33B-FCB5-4AFA-8175-BA08126D80E1}"/>
+                <a16:creationId xmlns:a16="http://schemas.microsoft.com/office/drawing/2014/main" id="{6130B33B-FCB5-4AFA-8175-BA08126D80E1}"/>
               </a:ext>
             </a:extLst>
           </p:cNvPr>
@@ -6837,7 +6765,7 @@
           <p:cNvPr id="3" name="组合 2">
             <a:extLst>
               <a:ext uri="{FF2B5EF4-FFF2-40B4-BE49-F238E27FC236}">
-                <a16:creationId xmlns:a16="http://schemas.microsoft.com/office/drawing/2014/main" xmlns="" id="{CF3B8F59-C87E-48F7-911B-3FCC3B1922F9}"/>
+                <a16:creationId xmlns:a16="http://schemas.microsoft.com/office/drawing/2014/main" id="{CF3B8F59-C87E-48F7-911B-3FCC3B1922F9}"/>
               </a:ext>
             </a:extLst>
           </p:cNvPr>
@@ -6857,7 +6785,7 @@
             <p:cNvPr id="4" name="文本框 3">
               <a:extLst>
                 <a:ext uri="{FF2B5EF4-FFF2-40B4-BE49-F238E27FC236}">
-                  <a16:creationId xmlns:a16="http://schemas.microsoft.com/office/drawing/2014/main" xmlns="" id="{F069F7C5-7C6B-4416-BA43-7E9FF2B95F70}"/>
+                  <a16:creationId xmlns:a16="http://schemas.microsoft.com/office/drawing/2014/main" id="{F069F7C5-7C6B-4416-BA43-7E9FF2B95F70}"/>
                 </a:ext>
               </a:extLst>
             </p:cNvPr>
@@ -6900,7 +6828,7 @@
             <p:cNvPr id="5" name="文本框 4">
               <a:extLst>
                 <a:ext uri="{FF2B5EF4-FFF2-40B4-BE49-F238E27FC236}">
-                  <a16:creationId xmlns:a16="http://schemas.microsoft.com/office/drawing/2014/main" xmlns="" id="{E7404F6D-3A40-4203-8F0A-6169C74FB4CA}"/>
+                  <a16:creationId xmlns:a16="http://schemas.microsoft.com/office/drawing/2014/main" id="{E7404F6D-3A40-4203-8F0A-6169C74FB4CA}"/>
                 </a:ext>
               </a:extLst>
             </p:cNvPr>
@@ -6948,122 +6876,38 @@
       </p:grpSp>
       <p:pic>
         <p:nvPicPr>
-          <p:cNvPr id="2050" name="Picture 2"/>
+          <p:cNvPr id="6" name="圖片 5"/>
           <p:cNvPicPr>
-            <a:picLocks noChangeAspect="1" noChangeArrowheads="1"/>
+            <a:picLocks noChangeAspect="1"/>
           </p:cNvPicPr>
           <p:nvPr/>
         </p:nvPicPr>
         <p:blipFill>
-          <a:blip r:embed="rId3" cstate="print">
-            <a:extLst>
-              <a:ext uri="{28A0092B-C50C-407E-A947-70E740481C1C}">
-                <a14:useLocalDpi xmlns:a14="http://schemas.microsoft.com/office/drawing/2010/main" val="0"/>
-              </a:ext>
-            </a:extLst>
-          </a:blip>
-          <a:srcRect/>
+          <a:blip r:embed="rId3"/>
           <a:stretch>
             <a:fillRect/>
           </a:stretch>
         </p:blipFill>
-        <p:spPr bwMode="auto">
+        <p:spPr>
           <a:xfrm>
-            <a:off x="54918" y="1778343"/>
-            <a:ext cx="5776831" cy="2996166"/>
+            <a:off x="2519611" y="1908324"/>
+            <a:ext cx="7200900" cy="2886075"/>
           </a:xfrm>
           <a:prstGeom prst="rect">
             <a:avLst/>
           </a:prstGeom>
-          <a:noFill/>
-          <a:ln>
-            <a:noFill/>
-          </a:ln>
-          <a:extLst>
-            <a:ext uri="{909E8E84-426E-40DD-AFC4-6F175D3DCCD1}">
-              <a14:hiddenFill xmlns:a14="http://schemas.microsoft.com/office/drawing/2010/main">
-                <a:solidFill>
-                  <a:schemeClr val="accent1"/>
-                </a:solidFill>
-              </a14:hiddenFill>
-            </a:ext>
-            <a:ext uri="{91240B29-F687-4F45-9708-019B960494DF}">
-              <a14:hiddenLine xmlns:a14="http://schemas.microsoft.com/office/drawing/2010/main" w="9525">
-                <a:solidFill>
-                  <a:schemeClr val="tx1"/>
-                </a:solidFill>
-                <a:miter lim="800000"/>
-                <a:headEnd/>
-                <a:tailEnd/>
-              </a14:hiddenLine>
-            </a:ext>
-          </a:extLst>
         </p:spPr>
       </p:pic>
-      <p:pic>
-        <p:nvPicPr>
-          <p:cNvPr id="2051" name="Picture 3"/>
-          <p:cNvPicPr>
-            <a:picLocks noChangeAspect="1" noChangeArrowheads="1"/>
-          </p:cNvPicPr>
-          <p:nvPr/>
-        </p:nvPicPr>
-        <p:blipFill>
-          <a:blip r:embed="rId4" cstate="print">
-            <a:extLst>
-              <a:ext uri="{28A0092B-C50C-407E-A947-70E740481C1C}">
-                <a14:useLocalDpi xmlns:a14="http://schemas.microsoft.com/office/drawing/2010/main" val="0"/>
-              </a:ext>
-            </a:extLst>
-          </a:blip>
-          <a:srcRect/>
-          <a:stretch>
-            <a:fillRect/>
-          </a:stretch>
-        </p:blipFill>
-        <p:spPr bwMode="auto">
-          <a:xfrm>
-            <a:off x="5804796" y="3276426"/>
-            <a:ext cx="6387204" cy="3581574"/>
-          </a:xfrm>
-          <a:prstGeom prst="rect">
-            <a:avLst/>
-          </a:prstGeom>
-          <a:noFill/>
-          <a:ln>
-            <a:noFill/>
-          </a:ln>
-          <a:extLst>
-            <a:ext uri="{909E8E84-426E-40DD-AFC4-6F175D3DCCD1}">
-              <a14:hiddenFill xmlns:a14="http://schemas.microsoft.com/office/drawing/2010/main">
-                <a:solidFill>
-                  <a:schemeClr val="accent1"/>
-                </a:solidFill>
-              </a14:hiddenFill>
-            </a:ext>
-            <a:ext uri="{91240B29-F687-4F45-9708-019B960494DF}">
-              <a14:hiddenLine xmlns:a14="http://schemas.microsoft.com/office/drawing/2010/main" w="9525">
-                <a:solidFill>
-                  <a:schemeClr val="tx1"/>
-                </a:solidFill>
-                <a:miter lim="800000"/>
-                <a:headEnd/>
-                <a:tailEnd/>
-              </a14:hiddenLine>
-            </a:ext>
-          </a:extLst>
-        </p:spPr>
-      </p:pic>
-      <p:sp>
-        <p:nvSpPr>
-          <p:cNvPr id="9" name="向右箭號 8"/>
+      <p:sp>
+        <p:nvSpPr>
+          <p:cNvPr id="7" name="向右箭號 6"/>
           <p:cNvSpPr/>
           <p:nvPr/>
         </p:nvSpPr>
         <p:spPr>
-          <a:xfrm rot="7874648">
-            <a:off x="7081608" y="3375344"/>
-            <a:ext cx="504825" cy="533400"/>
+          <a:xfrm>
+            <a:off x="1923691" y="4054415"/>
+            <a:ext cx="830870" cy="414068"/>
           </a:xfrm>
           <a:prstGeom prst="rightArrow">
             <a:avLst/>
@@ -7096,14 +6940,14 @@
       </p:sp>
       <p:sp>
         <p:nvSpPr>
-          <p:cNvPr id="10" name="文字方塊 9"/>
+          <p:cNvPr id="8" name="文字方塊 7"/>
           <p:cNvSpPr txBox="1"/>
           <p:nvPr/>
         </p:nvSpPr>
         <p:spPr>
           <a:xfrm>
-            <a:off x="7334020" y="2905125"/>
-            <a:ext cx="3476855" cy="369332"/>
+            <a:off x="776378" y="4077443"/>
+            <a:ext cx="1147313" cy="369332"/>
           </a:xfrm>
           <a:prstGeom prst="rect">
             <a:avLst/>
@@ -7118,7 +6962,77 @@
           <a:p>
             <a:r>
               <a:rPr lang="zh-TW" altLang="en-US" dirty="0" smtClean="0"/>
-              <a:t>根據選項跑出相對應的材料設計</a:t>
+              <a:t>新增此項</a:t>
+            </a:r>
+            <a:endParaRPr lang="zh-TW" altLang="en-US" dirty="0"/>
+          </a:p>
+        </p:txBody>
+      </p:sp>
+      <p:sp>
+        <p:nvSpPr>
+          <p:cNvPr id="15" name="向右箭號 14"/>
+          <p:cNvSpPr/>
+          <p:nvPr/>
+        </p:nvSpPr>
+        <p:spPr>
+          <a:xfrm>
+            <a:off x="1923691" y="3154392"/>
+            <a:ext cx="830870" cy="414068"/>
+          </a:xfrm>
+          <a:prstGeom prst="rightArrow">
+            <a:avLst/>
+          </a:prstGeom>
+        </p:spPr>
+        <p:style>
+          <a:lnRef idx="2">
+            <a:schemeClr val="accent1">
+              <a:shade val="50000"/>
+            </a:schemeClr>
+          </a:lnRef>
+          <a:fillRef idx="1">
+            <a:schemeClr val="accent1"/>
+          </a:fillRef>
+          <a:effectRef idx="0">
+            <a:schemeClr val="accent1"/>
+          </a:effectRef>
+          <a:fontRef idx="minor">
+            <a:schemeClr val="lt1"/>
+          </a:fontRef>
+        </p:style>
+        <p:txBody>
+          <a:bodyPr rtlCol="0" anchor="ctr"/>
+          <a:lstStyle/>
+          <a:p>
+            <a:pPr algn="ctr"/>
+            <a:endParaRPr lang="zh-TW" altLang="en-US"/>
+          </a:p>
+        </p:txBody>
+      </p:sp>
+      <p:sp>
+        <p:nvSpPr>
+          <p:cNvPr id="16" name="文字方塊 15"/>
+          <p:cNvSpPr txBox="1"/>
+          <p:nvPr/>
+        </p:nvSpPr>
+        <p:spPr>
+          <a:xfrm>
+            <a:off x="776378" y="3177420"/>
+            <a:ext cx="1147313" cy="369332"/>
+          </a:xfrm>
+          <a:prstGeom prst="rect">
+            <a:avLst/>
+          </a:prstGeom>
+          <a:noFill/>
+        </p:spPr>
+        <p:txBody>
+          <a:bodyPr wrap="square" rtlCol="0">
+            <a:spAutoFit/>
+          </a:bodyPr>
+          <a:lstStyle/>
+          <a:p>
+            <a:r>
+              <a:rPr lang="zh-TW" altLang="en-US" dirty="0" smtClean="0"/>
+              <a:t>修改此項</a:t>
             </a:r>
             <a:endParaRPr lang="zh-TW" altLang="en-US" dirty="0"/>
           </a:p>
@@ -7143,7 +7057,7 @@
         <p:random/>
       </p:transition>
     </mc:Choice>
-    <mc:Fallback xmlns:a14="http://schemas.microsoft.com/office/drawing/2010/main" xmlns:a16="http://schemas.microsoft.com/office/drawing/2014/main" xmlns="">
+    <mc:Fallback xmlns="" xmlns:a16="http://schemas.microsoft.com/office/drawing/2014/main" xmlns:a14="http://schemas.microsoft.com/office/drawing/2010/main">
       <p:transition spd="slow" advTm="3414">
         <p:random/>
       </p:transition>
@@ -7313,7 +7227,7 @@
           <p:cNvPr id="2" name="矩形 1">
             <a:extLst>
               <a:ext uri="{FF2B5EF4-FFF2-40B4-BE49-F238E27FC236}">
-                <a16:creationId xmlns:a16="http://schemas.microsoft.com/office/drawing/2014/main" xmlns="" id="{6130B33B-FCB5-4AFA-8175-BA08126D80E1}"/>
+                <a16:creationId xmlns:a16="http://schemas.microsoft.com/office/drawing/2014/main" id="{6130B33B-FCB5-4AFA-8175-BA08126D80E1}"/>
               </a:ext>
             </a:extLst>
           </p:cNvPr>
@@ -7371,7 +7285,7 @@
           <p:cNvPr id="3" name="组合 2">
             <a:extLst>
               <a:ext uri="{FF2B5EF4-FFF2-40B4-BE49-F238E27FC236}">
-                <a16:creationId xmlns:a16="http://schemas.microsoft.com/office/drawing/2014/main" xmlns="" id="{CF3B8F59-C87E-48F7-911B-3FCC3B1922F9}"/>
+                <a16:creationId xmlns:a16="http://schemas.microsoft.com/office/drawing/2014/main" id="{CF3B8F59-C87E-48F7-911B-3FCC3B1922F9}"/>
               </a:ext>
             </a:extLst>
           </p:cNvPr>
@@ -7391,7 +7305,7 @@
             <p:cNvPr id="4" name="文本框 3">
               <a:extLst>
                 <a:ext uri="{FF2B5EF4-FFF2-40B4-BE49-F238E27FC236}">
-                  <a16:creationId xmlns:a16="http://schemas.microsoft.com/office/drawing/2014/main" xmlns="" id="{F069F7C5-7C6B-4416-BA43-7E9FF2B95F70}"/>
+                  <a16:creationId xmlns:a16="http://schemas.microsoft.com/office/drawing/2014/main" id="{F069F7C5-7C6B-4416-BA43-7E9FF2B95F70}"/>
                 </a:ext>
               </a:extLst>
             </p:cNvPr>
@@ -7420,7 +7334,35 @@
                   <a:cs typeface="+mn-ea"/>
                   <a:sym typeface="+mn-lt"/>
                 </a:rPr>
-                <a:t>側邊選單</a:t>
+                <a:t>溫室型式</a:t>
+              </a:r>
+              <a:r>
+                <a:rPr lang="zh-TW" altLang="en-US" sz="4000" spc="400" dirty="0" smtClean="0">
+                  <a:cs typeface="+mn-ea"/>
+                  <a:sym typeface="+mn-lt"/>
+                </a:rPr>
+                <a:t>設計</a:t>
+              </a:r>
+              <a:r>
+                <a:rPr lang="en-US" altLang="zh-TW" sz="4000" spc="400" dirty="0" smtClean="0">
+                  <a:cs typeface="+mn-ea"/>
+                  <a:sym typeface="+mn-lt"/>
+                </a:rPr>
+                <a:t>(</a:t>
+              </a:r>
+              <a:r>
+                <a:rPr lang="zh-TW" altLang="en-US" sz="4000" spc="400" dirty="0" smtClean="0">
+                  <a:cs typeface="+mn-ea"/>
+                  <a:sym typeface="+mn-lt"/>
+                </a:rPr>
+                <a:t>續</a:t>
+              </a:r>
+              <a:r>
+                <a:rPr lang="en-US" altLang="zh-TW" sz="4000" spc="400" dirty="0" smtClean="0">
+                  <a:cs typeface="+mn-ea"/>
+                  <a:sym typeface="+mn-lt"/>
+                </a:rPr>
+                <a:t>)</a:t>
               </a:r>
               <a:endParaRPr lang="zh-CN" altLang="en-US" sz="4000" dirty="0">
                 <a:cs typeface="+mn-ea"/>
@@ -7434,7 +7376,7 @@
             <p:cNvPr id="5" name="文本框 4">
               <a:extLst>
                 <a:ext uri="{FF2B5EF4-FFF2-40B4-BE49-F238E27FC236}">
-                  <a16:creationId xmlns:a16="http://schemas.microsoft.com/office/drawing/2014/main" xmlns="" id="{E7404F6D-3A40-4203-8F0A-6169C74FB4CA}"/>
+                  <a16:creationId xmlns:a16="http://schemas.microsoft.com/office/drawing/2014/main" id="{E7404F6D-3A40-4203-8F0A-6169C74FB4CA}"/>
                 </a:ext>
               </a:extLst>
             </p:cNvPr>
@@ -7482,68 +7424,38 @@
       </p:grpSp>
       <p:pic>
         <p:nvPicPr>
-          <p:cNvPr id="3074" name="Picture 2"/>
+          <p:cNvPr id="9" name="圖片 8"/>
           <p:cNvPicPr>
-            <a:picLocks noChangeAspect="1" noChangeArrowheads="1"/>
+            <a:picLocks noChangeAspect="1"/>
           </p:cNvPicPr>
           <p:nvPr/>
         </p:nvPicPr>
         <p:blipFill>
-          <a:blip r:embed="rId3">
-            <a:extLst>
-              <a:ext uri="{28A0092B-C50C-407E-A947-70E740481C1C}">
-                <a14:useLocalDpi xmlns:a14="http://schemas.microsoft.com/office/drawing/2010/main" val="0"/>
-              </a:ext>
-            </a:extLst>
-          </a:blip>
-          <a:srcRect/>
+          <a:blip r:embed="rId3"/>
           <a:stretch>
             <a:fillRect/>
           </a:stretch>
         </p:blipFill>
-        <p:spPr bwMode="auto">
+        <p:spPr>
           <a:xfrm>
-            <a:off x="1621349" y="493630"/>
-            <a:ext cx="2266424" cy="6210300"/>
+            <a:off x="5745192" y="1865839"/>
+            <a:ext cx="4802621" cy="4899278"/>
           </a:xfrm>
           <a:prstGeom prst="rect">
             <a:avLst/>
           </a:prstGeom>
-          <a:noFill/>
-          <a:ln>
-            <a:noFill/>
-          </a:ln>
-          <a:extLst>
-            <a:ext uri="{909E8E84-426E-40DD-AFC4-6F175D3DCCD1}">
-              <a14:hiddenFill xmlns:a14="http://schemas.microsoft.com/office/drawing/2010/main">
-                <a:solidFill>
-                  <a:schemeClr val="accent1"/>
-                </a:solidFill>
-              </a14:hiddenFill>
-            </a:ext>
-            <a:ext uri="{91240B29-F687-4F45-9708-019B960494DF}">
-              <a14:hiddenLine xmlns:a14="http://schemas.microsoft.com/office/drawing/2010/main" w="9525">
-                <a:solidFill>
-                  <a:schemeClr val="tx1"/>
-                </a:solidFill>
-                <a:miter lim="800000"/>
-                <a:headEnd/>
-                <a:tailEnd/>
-              </a14:hiddenLine>
-            </a:ext>
-          </a:extLst>
         </p:spPr>
       </p:pic>
       <p:sp>
         <p:nvSpPr>
-          <p:cNvPr id="8" name="文字方塊 7"/>
+          <p:cNvPr id="10" name="文字方塊 9"/>
           <p:cNvSpPr txBox="1"/>
           <p:nvPr/>
         </p:nvSpPr>
         <p:spPr>
           <a:xfrm>
-            <a:off x="4857750" y="2581275"/>
-            <a:ext cx="4210050" cy="2585323"/>
+            <a:off x="567077" y="2829465"/>
+            <a:ext cx="4882551" cy="1938992"/>
           </a:xfrm>
           <a:prstGeom prst="rect">
             <a:avLst/>
@@ -7556,48 +7468,51 @@
           </a:bodyPr>
           <a:lstStyle/>
           <a:p>
-            <a:r>
-              <a:rPr lang="zh-TW" altLang="en-US" dirty="0" smtClean="0"/>
-              <a:t>對每個階層用不同大小的字，分別是：</a:t>
-            </a:r>
-            <a:endParaRPr lang="en-US" altLang="zh-TW" dirty="0" smtClean="0"/>
-          </a:p>
-          <a:p>
-            <a:endParaRPr lang="en-US" altLang="zh-TW" dirty="0" smtClean="0"/>
-          </a:p>
-          <a:p>
-            <a:r>
-              <a:rPr lang="en-US" altLang="zh-TW" dirty="0" smtClean="0"/>
-              <a:t>20px </a:t>
-            </a:r>
-          </a:p>
-          <a:p>
-            <a:endParaRPr lang="en-US" altLang="zh-TW" dirty="0" smtClean="0"/>
-          </a:p>
-          <a:p>
-            <a:r>
-              <a:rPr lang="en-US" altLang="zh-TW" dirty="0" smtClean="0"/>
-              <a:t>18px </a:t>
-            </a:r>
-          </a:p>
-          <a:p>
-            <a:endParaRPr lang="en-US" altLang="zh-TW" dirty="0" smtClean="0"/>
-          </a:p>
-          <a:p>
-            <a:r>
-              <a:rPr lang="en-US" altLang="zh-TW" dirty="0" smtClean="0"/>
-              <a:t>16px </a:t>
-            </a:r>
-          </a:p>
-          <a:p>
-            <a:endParaRPr lang="en-US" altLang="zh-TW" dirty="0" smtClean="0"/>
-          </a:p>
-          <a:p>
-            <a:r>
-              <a:rPr lang="en-US" altLang="zh-TW" dirty="0" smtClean="0"/>
-              <a:t>12px</a:t>
-            </a:r>
-            <a:endParaRPr lang="zh-TW" altLang="en-US" dirty="0"/>
+            <a:pPr marL="285750" indent="-285750">
+              <a:buFont typeface="Wingdings" panose="05000000000000000000" pitchFamily="2" charset="2"/>
+              <a:buChar char="l"/>
+            </a:pPr>
+            <a:r>
+              <a:rPr lang="zh-TW" altLang="en-US" sz="2400" dirty="0" smtClean="0"/>
+              <a:t>讓成本分析可以運作</a:t>
+            </a:r>
+            <a:endParaRPr lang="en-US" altLang="zh-TW" sz="2400" dirty="0" smtClean="0"/>
+          </a:p>
+          <a:p>
+            <a:pPr marL="285750" indent="-285750">
+              <a:buFont typeface="Wingdings" panose="05000000000000000000" pitchFamily="2" charset="2"/>
+              <a:buChar char="l"/>
+            </a:pPr>
+            <a:endParaRPr lang="en-US" altLang="zh-TW" sz="2400" dirty="0"/>
+          </a:p>
+          <a:p>
+            <a:pPr marL="285750" indent="-285750">
+              <a:buFont typeface="Wingdings" panose="05000000000000000000" pitchFamily="2" charset="2"/>
+              <a:buChar char="l"/>
+            </a:pPr>
+            <a:r>
+              <a:rPr lang="zh-TW" altLang="en-US" sz="2400" dirty="0" smtClean="0"/>
+              <a:t>新增欄位計算詳細成本</a:t>
+            </a:r>
+            <a:endParaRPr lang="en-US" altLang="zh-TW" sz="2400" dirty="0" smtClean="0"/>
+          </a:p>
+          <a:p>
+            <a:pPr marL="285750" indent="-285750">
+              <a:buFont typeface="Wingdings" panose="05000000000000000000" pitchFamily="2" charset="2"/>
+              <a:buChar char="l"/>
+            </a:pPr>
+            <a:endParaRPr lang="en-US" altLang="zh-TW" sz="2400" dirty="0"/>
+          </a:p>
+          <a:p>
+            <a:pPr marL="285750" indent="-285750">
+              <a:buFont typeface="Wingdings" panose="05000000000000000000" pitchFamily="2" charset="2"/>
+              <a:buChar char="l"/>
+            </a:pPr>
+            <a:r>
+              <a:rPr lang="zh-TW" altLang="en-US" sz="2400" dirty="0" smtClean="0"/>
+              <a:t>根據簡易與強固顯示不同的表格</a:t>
+            </a:r>
+            <a:endParaRPr lang="zh-TW" altLang="en-US" sz="2400" dirty="0"/>
           </a:p>
         </p:txBody>
       </p:sp>
@@ -7607,7 +7522,7 @@
     </p:custDataLst>
     <p:extLst>
       <p:ext uri="{BB962C8B-B14F-4D97-AF65-F5344CB8AC3E}">
-        <p14:creationId xmlns:p14="http://schemas.microsoft.com/office/powerpoint/2010/main" val="1134128065"/>
+        <p14:creationId xmlns:p14="http://schemas.microsoft.com/office/powerpoint/2010/main" val="1038460257"/>
       </p:ext>
     </p:extLst>
   </p:cSld>
@@ -7620,7 +7535,7 @@
         <p:random/>
       </p:transition>
     </mc:Choice>
-    <mc:Fallback xmlns:a14="http://schemas.microsoft.com/office/drawing/2010/main" xmlns:a16="http://schemas.microsoft.com/office/drawing/2014/main" xmlns="">
+    <mc:Fallback xmlns="" xmlns:a16="http://schemas.microsoft.com/office/drawing/2014/main" xmlns:a14="http://schemas.microsoft.com/office/drawing/2010/main">
       <p:transition spd="slow" advTm="3414">
         <p:random/>
       </p:transition>
@@ -7790,7 +7705,1068 @@
           <p:cNvPr id="2" name="矩形 1">
             <a:extLst>
               <a:ext uri="{FF2B5EF4-FFF2-40B4-BE49-F238E27FC236}">
-                <a16:creationId xmlns:a16="http://schemas.microsoft.com/office/drawing/2014/main" xmlns="" id="{6130B33B-FCB5-4AFA-8175-BA08126D80E1}"/>
+                <a16:creationId xmlns:a16="http://schemas.microsoft.com/office/drawing/2014/main" id="{6130B33B-FCB5-4AFA-8175-BA08126D80E1}"/>
+              </a:ext>
+            </a:extLst>
+          </p:cNvPr>
+          <p:cNvSpPr/>
+          <p:nvPr/>
+        </p:nvSpPr>
+        <p:spPr>
+          <a:xfrm>
+            <a:off x="5029198" y="493630"/>
+            <a:ext cx="2133600" cy="228600"/>
+          </a:xfrm>
+          <a:prstGeom prst="rect">
+            <a:avLst/>
+          </a:prstGeom>
+          <a:solidFill>
+            <a:schemeClr val="tx1">
+              <a:lumMod val="75000"/>
+              <a:lumOff val="25000"/>
+            </a:schemeClr>
+          </a:solidFill>
+          <a:ln>
+            <a:noFill/>
+          </a:ln>
+        </p:spPr>
+        <p:style>
+          <a:lnRef idx="2">
+            <a:schemeClr val="accent1">
+              <a:shade val="50000"/>
+            </a:schemeClr>
+          </a:lnRef>
+          <a:fillRef idx="1">
+            <a:schemeClr val="accent1"/>
+          </a:fillRef>
+          <a:effectRef idx="0">
+            <a:schemeClr val="accent1"/>
+          </a:effectRef>
+          <a:fontRef idx="minor">
+            <a:schemeClr val="lt1"/>
+          </a:fontRef>
+        </p:style>
+        <p:txBody>
+          <a:bodyPr rtlCol="0" anchor="ctr"/>
+          <a:lstStyle/>
+          <a:p>
+            <a:pPr algn="ctr"/>
+            <a:endParaRPr lang="zh-CN" altLang="en-US">
+              <a:cs typeface="+mn-ea"/>
+              <a:sym typeface="+mn-lt"/>
+            </a:endParaRPr>
+          </a:p>
+        </p:txBody>
+      </p:sp>
+      <p:grpSp>
+        <p:nvGrpSpPr>
+          <p:cNvPr id="3" name="组合 2">
+            <a:extLst>
+              <a:ext uri="{FF2B5EF4-FFF2-40B4-BE49-F238E27FC236}">
+                <a16:creationId xmlns:a16="http://schemas.microsoft.com/office/drawing/2014/main" id="{CF3B8F59-C87E-48F7-911B-3FCC3B1922F9}"/>
+              </a:ext>
+            </a:extLst>
+          </p:cNvPr>
+          <p:cNvGrpSpPr/>
+          <p:nvPr/>
+        </p:nvGrpSpPr>
+        <p:grpSpPr>
+          <a:xfrm>
+            <a:off x="2754561" y="787600"/>
+            <a:ext cx="6875378" cy="976561"/>
+            <a:chOff x="661187" y="1991896"/>
+            <a:chExt cx="3591185" cy="1083521"/>
+          </a:xfrm>
+        </p:grpSpPr>
+        <p:sp>
+          <p:nvSpPr>
+            <p:cNvPr id="4" name="文本框 3">
+              <a:extLst>
+                <a:ext uri="{FF2B5EF4-FFF2-40B4-BE49-F238E27FC236}">
+                  <a16:creationId xmlns:a16="http://schemas.microsoft.com/office/drawing/2014/main" id="{F069F7C5-7C6B-4416-BA43-7E9FF2B95F70}"/>
+                </a:ext>
+              </a:extLst>
+            </p:cNvPr>
+            <p:cNvSpPr txBox="1"/>
+            <p:nvPr/>
+          </p:nvSpPr>
+          <p:spPr>
+            <a:xfrm>
+              <a:off x="661187" y="1991896"/>
+              <a:ext cx="3515773" cy="785419"/>
+            </a:xfrm>
+            <a:prstGeom prst="rect">
+              <a:avLst/>
+            </a:prstGeom>
+            <a:noFill/>
+          </p:spPr>
+          <p:txBody>
+            <a:bodyPr wrap="square" rtlCol="0">
+              <a:spAutoFit/>
+            </a:bodyPr>
+            <a:lstStyle/>
+            <a:p>
+              <a:pPr algn="ctr"/>
+              <a:r>
+                <a:rPr lang="zh-TW" altLang="en-US" sz="4000" spc="400" dirty="0" smtClean="0">
+                  <a:cs typeface="+mn-ea"/>
+                  <a:sym typeface="+mn-lt"/>
+                </a:rPr>
+                <a:t>光控制</a:t>
+              </a:r>
+              <a:endParaRPr lang="zh-CN" altLang="en-US" sz="4000" dirty="0">
+                <a:cs typeface="+mn-ea"/>
+                <a:sym typeface="+mn-lt"/>
+              </a:endParaRPr>
+            </a:p>
+          </p:txBody>
+        </p:sp>
+        <p:sp>
+          <p:nvSpPr>
+            <p:cNvPr id="5" name="文本框 4">
+              <a:extLst>
+                <a:ext uri="{FF2B5EF4-FFF2-40B4-BE49-F238E27FC236}">
+                  <a16:creationId xmlns:a16="http://schemas.microsoft.com/office/drawing/2014/main" id="{E7404F6D-3A40-4203-8F0A-6169C74FB4CA}"/>
+                </a:ext>
+              </a:extLst>
+            </p:cNvPr>
+            <p:cNvSpPr txBox="1"/>
+            <p:nvPr/>
+          </p:nvSpPr>
+          <p:spPr>
+            <a:xfrm>
+              <a:off x="793749" y="2699782"/>
+              <a:ext cx="3458623" cy="375635"/>
+            </a:xfrm>
+            <a:prstGeom prst="rect">
+              <a:avLst/>
+            </a:prstGeom>
+            <a:noFill/>
+          </p:spPr>
+          <p:txBody>
+            <a:bodyPr wrap="square">
+              <a:spAutoFit/>
+            </a:bodyPr>
+            <a:lstStyle/>
+            <a:p>
+              <a:pPr algn="ctr"/>
+              <a:r>
+                <a:rPr lang="en-US" altLang="zh-TW" sz="1600" dirty="0">
+                  <a:cs typeface="+mn-ea"/>
+                  <a:sym typeface="+mn-lt"/>
+                </a:rPr>
+                <a:t>Project </a:t>
+              </a:r>
+              <a:r>
+                <a:rPr lang="en-US" altLang="zh-TW" sz="1600" dirty="0" smtClean="0">
+                  <a:cs typeface="+mn-ea"/>
+                  <a:sym typeface="+mn-lt"/>
+                </a:rPr>
+                <a:t>designing</a:t>
+              </a:r>
+              <a:endParaRPr lang="zh-CN" altLang="en-US" sz="1600" dirty="0">
+                <a:cs typeface="+mn-ea"/>
+                <a:sym typeface="+mn-lt"/>
+              </a:endParaRPr>
+            </a:p>
+          </p:txBody>
+        </p:sp>
+      </p:grpSp>
+      <p:pic>
+        <p:nvPicPr>
+          <p:cNvPr id="6" name="圖片 5"/>
+          <p:cNvPicPr>
+            <a:picLocks noChangeAspect="1"/>
+          </p:cNvPicPr>
+          <p:nvPr/>
+        </p:nvPicPr>
+        <p:blipFill>
+          <a:blip r:embed="rId3"/>
+          <a:stretch>
+            <a:fillRect/>
+          </a:stretch>
+        </p:blipFill>
+        <p:spPr>
+          <a:xfrm>
+            <a:off x="2440826" y="1936181"/>
+            <a:ext cx="8086725" cy="4124325"/>
+          </a:xfrm>
+          <a:prstGeom prst="rect">
+            <a:avLst/>
+          </a:prstGeom>
+        </p:spPr>
+      </p:pic>
+      <p:sp>
+        <p:nvSpPr>
+          <p:cNvPr id="7" name="向右箭號 6"/>
+          <p:cNvSpPr/>
+          <p:nvPr/>
+        </p:nvSpPr>
+        <p:spPr>
+          <a:xfrm>
+            <a:off x="1906438" y="4416725"/>
+            <a:ext cx="1475117" cy="1026543"/>
+          </a:xfrm>
+          <a:prstGeom prst="rightArrow">
+            <a:avLst/>
+          </a:prstGeom>
+        </p:spPr>
+        <p:style>
+          <a:lnRef idx="2">
+            <a:schemeClr val="accent1">
+              <a:shade val="50000"/>
+            </a:schemeClr>
+          </a:lnRef>
+          <a:fillRef idx="1">
+            <a:schemeClr val="accent1"/>
+          </a:fillRef>
+          <a:effectRef idx="0">
+            <a:schemeClr val="accent1"/>
+          </a:effectRef>
+          <a:fontRef idx="minor">
+            <a:schemeClr val="lt1"/>
+          </a:fontRef>
+        </p:style>
+        <p:txBody>
+          <a:bodyPr rtlCol="0" anchor="ctr"/>
+          <a:lstStyle/>
+          <a:p>
+            <a:pPr algn="ctr"/>
+            <a:endParaRPr lang="zh-TW" altLang="en-US"/>
+          </a:p>
+        </p:txBody>
+      </p:sp>
+      <p:sp>
+        <p:nvSpPr>
+          <p:cNvPr id="9" name="文字方塊 8"/>
+          <p:cNvSpPr txBox="1"/>
+          <p:nvPr/>
+        </p:nvSpPr>
+        <p:spPr>
+          <a:xfrm>
+            <a:off x="163902" y="4416725"/>
+            <a:ext cx="1621766" cy="923330"/>
+          </a:xfrm>
+          <a:prstGeom prst="rect">
+            <a:avLst/>
+          </a:prstGeom>
+          <a:noFill/>
+        </p:spPr>
+        <p:txBody>
+          <a:bodyPr wrap="square" rtlCol="0">
+            <a:spAutoFit/>
+          </a:bodyPr>
+          <a:lstStyle/>
+          <a:p>
+            <a:r>
+              <a:rPr lang="zh-TW" altLang="en-US" dirty="0" smtClean="0"/>
+              <a:t>將兩條線對調</a:t>
+            </a:r>
+            <a:endParaRPr lang="en-US" altLang="zh-TW" dirty="0" smtClean="0"/>
+          </a:p>
+          <a:p>
+            <a:endParaRPr lang="en-US" altLang="zh-TW" dirty="0"/>
+          </a:p>
+          <a:p>
+            <a:r>
+              <a:rPr lang="zh-TW" altLang="en-US" dirty="0" smtClean="0"/>
+              <a:t>讓數值正確</a:t>
+            </a:r>
+            <a:endParaRPr lang="zh-TW" altLang="en-US" dirty="0"/>
+          </a:p>
+        </p:txBody>
+      </p:sp>
+    </p:spTree>
+    <p:custDataLst>
+      <p:tags r:id="rId1"/>
+    </p:custDataLst>
+    <p:extLst>
+      <p:ext uri="{BB962C8B-B14F-4D97-AF65-F5344CB8AC3E}">
+        <p14:creationId xmlns:p14="http://schemas.microsoft.com/office/powerpoint/2010/main" val="1134128065"/>
+      </p:ext>
+    </p:extLst>
+  </p:cSld>
+  <p:clrMapOvr>
+    <a:masterClrMapping/>
+  </p:clrMapOvr>
+  <mc:AlternateContent xmlns:mc="http://schemas.openxmlformats.org/markup-compatibility/2006" xmlns:p14="http://schemas.microsoft.com/office/powerpoint/2010/main">
+    <mc:Choice Requires="p14">
+      <p:transition spd="slow" p14:dur="1500" advTm="3414">
+        <p:random/>
+      </p:transition>
+    </mc:Choice>
+    <mc:Fallback xmlns="" xmlns:a16="http://schemas.microsoft.com/office/drawing/2014/main" xmlns:a14="http://schemas.microsoft.com/office/drawing/2010/main">
+      <p:transition spd="slow" advTm="3414">
+        <p:random/>
+      </p:transition>
+    </mc:Fallback>
+  </mc:AlternateContent>
+  <p:timing>
+    <p:tnLst>
+      <p:par>
+        <p:cTn id="1" dur="indefinite" restart="never" nodeType="tmRoot">
+          <p:childTnLst>
+            <p:seq concurrent="1" nextAc="seek">
+              <p:cTn id="2" dur="indefinite" nodeType="mainSeq">
+                <p:childTnLst>
+                  <p:par>
+                    <p:cTn id="3" fill="hold">
+                      <p:stCondLst>
+                        <p:cond delay="indefinite"/>
+                      </p:stCondLst>
+                      <p:childTnLst>
+                        <p:par>
+                          <p:cTn id="4" fill="hold">
+                            <p:stCondLst>
+                              <p:cond delay="0"/>
+                            </p:stCondLst>
+                            <p:childTnLst>
+                              <p:par>
+                                <p:cTn id="5" presetID="16" presetClass="entr" presetSubtype="37" fill="hold" grpId="0" nodeType="clickEffect">
+                                  <p:stCondLst>
+                                    <p:cond delay="0"/>
+                                  </p:stCondLst>
+                                  <p:childTnLst>
+                                    <p:set>
+                                      <p:cBhvr>
+                                        <p:cTn id="6" dur="1" fill="hold">
+                                          <p:stCondLst>
+                                            <p:cond delay="0"/>
+                                          </p:stCondLst>
+                                        </p:cTn>
+                                        <p:tgtEl>
+                                          <p:spTgt spid="2"/>
+                                        </p:tgtEl>
+                                        <p:attrNameLst>
+                                          <p:attrName>style.visibility</p:attrName>
+                                        </p:attrNameLst>
+                                      </p:cBhvr>
+                                      <p:to>
+                                        <p:strVal val="visible"/>
+                                      </p:to>
+                                    </p:set>
+                                    <p:animEffect transition="in" filter="barn(outVertical)">
+                                      <p:cBhvr>
+                                        <p:cTn id="7" dur="500"/>
+                                        <p:tgtEl>
+                                          <p:spTgt spid="2"/>
+                                        </p:tgtEl>
+                                      </p:cBhvr>
+                                    </p:animEffect>
+                                  </p:childTnLst>
+                                </p:cTn>
+                              </p:par>
+                            </p:childTnLst>
+                          </p:cTn>
+                        </p:par>
+                      </p:childTnLst>
+                    </p:cTn>
+                  </p:par>
+                  <p:par>
+                    <p:cTn id="8" fill="hold">
+                      <p:stCondLst>
+                        <p:cond delay="indefinite"/>
+                      </p:stCondLst>
+                      <p:childTnLst>
+                        <p:par>
+                          <p:cTn id="9" fill="hold">
+                            <p:stCondLst>
+                              <p:cond delay="0"/>
+                            </p:stCondLst>
+                            <p:childTnLst>
+                              <p:par>
+                                <p:cTn id="10" presetID="22" presetClass="entr" presetSubtype="8" fill="hold" nodeType="clickEffect">
+                                  <p:stCondLst>
+                                    <p:cond delay="0"/>
+                                  </p:stCondLst>
+                                  <p:childTnLst>
+                                    <p:set>
+                                      <p:cBhvr>
+                                        <p:cTn id="11" dur="1" fill="hold">
+                                          <p:stCondLst>
+                                            <p:cond delay="0"/>
+                                          </p:stCondLst>
+                                        </p:cTn>
+                                        <p:tgtEl>
+                                          <p:spTgt spid="3"/>
+                                        </p:tgtEl>
+                                        <p:attrNameLst>
+                                          <p:attrName>style.visibility</p:attrName>
+                                        </p:attrNameLst>
+                                      </p:cBhvr>
+                                      <p:to>
+                                        <p:strVal val="visible"/>
+                                      </p:to>
+                                    </p:set>
+                                    <p:animEffect transition="in" filter="wipe(left)">
+                                      <p:cBhvr>
+                                        <p:cTn id="12" dur="500"/>
+                                        <p:tgtEl>
+                                          <p:spTgt spid="3"/>
+                                        </p:tgtEl>
+                                      </p:cBhvr>
+                                    </p:animEffect>
+                                  </p:childTnLst>
+                                </p:cTn>
+                              </p:par>
+                            </p:childTnLst>
+                          </p:cTn>
+                        </p:par>
+                      </p:childTnLst>
+                    </p:cTn>
+                  </p:par>
+                </p:childTnLst>
+              </p:cTn>
+              <p:prevCondLst>
+                <p:cond evt="onPrev" delay="0">
+                  <p:tgtEl>
+                    <p:sldTgt/>
+                  </p:tgtEl>
+                </p:cond>
+              </p:prevCondLst>
+              <p:nextCondLst>
+                <p:cond evt="onNext" delay="0">
+                  <p:tgtEl>
+                    <p:sldTgt/>
+                  </p:tgtEl>
+                </p:cond>
+              </p:nextCondLst>
+            </p:seq>
+          </p:childTnLst>
+        </p:cTn>
+      </p:par>
+    </p:tnLst>
+    <p:bldLst>
+      <p:bldP spid="2" grpId="0" animBg="1"/>
+    </p:bldLst>
+  </p:timing>
+</p:sld>
+</file>
+
+<file path=ppt/slides/slide7.xml><?xml version="1.0" encoding="utf-8"?>
+<p:sld xmlns:a="http://schemas.openxmlformats.org/drawingml/2006/main" xmlns:r="http://schemas.openxmlformats.org/officeDocument/2006/relationships" xmlns:p="http://schemas.openxmlformats.org/presentationml/2006/main">
+  <p:cSld>
+    <p:spTree>
+      <p:nvGrpSpPr>
+        <p:cNvPr id="1" name=""/>
+        <p:cNvGrpSpPr/>
+        <p:nvPr/>
+      </p:nvGrpSpPr>
+      <p:grpSpPr>
+        <a:xfrm>
+          <a:off x="0" y="0"/>
+          <a:ext cx="0" cy="0"/>
+          <a:chOff x="0" y="0"/>
+          <a:chExt cx="0" cy="0"/>
+        </a:xfrm>
+      </p:grpSpPr>
+      <p:sp>
+        <p:nvSpPr>
+          <p:cNvPr id="2" name="矩形 1">
+            <a:extLst>
+              <a:ext uri="{FF2B5EF4-FFF2-40B4-BE49-F238E27FC236}">
+                <a16:creationId xmlns:a16="http://schemas.microsoft.com/office/drawing/2014/main" id="{6130B33B-FCB5-4AFA-8175-BA08126D80E1}"/>
+              </a:ext>
+            </a:extLst>
+          </p:cNvPr>
+          <p:cNvSpPr/>
+          <p:nvPr/>
+        </p:nvSpPr>
+        <p:spPr>
+          <a:xfrm>
+            <a:off x="5029198" y="493630"/>
+            <a:ext cx="2133600" cy="228600"/>
+          </a:xfrm>
+          <a:prstGeom prst="rect">
+            <a:avLst/>
+          </a:prstGeom>
+          <a:solidFill>
+            <a:schemeClr val="tx1">
+              <a:lumMod val="75000"/>
+              <a:lumOff val="25000"/>
+            </a:schemeClr>
+          </a:solidFill>
+          <a:ln>
+            <a:noFill/>
+          </a:ln>
+        </p:spPr>
+        <p:style>
+          <a:lnRef idx="2">
+            <a:schemeClr val="accent1">
+              <a:shade val="50000"/>
+            </a:schemeClr>
+          </a:lnRef>
+          <a:fillRef idx="1">
+            <a:schemeClr val="accent1"/>
+          </a:fillRef>
+          <a:effectRef idx="0">
+            <a:schemeClr val="accent1"/>
+          </a:effectRef>
+          <a:fontRef idx="minor">
+            <a:schemeClr val="lt1"/>
+          </a:fontRef>
+        </p:style>
+        <p:txBody>
+          <a:bodyPr rtlCol="0" anchor="ctr"/>
+          <a:lstStyle/>
+          <a:p>
+            <a:pPr algn="ctr"/>
+            <a:endParaRPr lang="zh-CN" altLang="en-US">
+              <a:cs typeface="+mn-ea"/>
+              <a:sym typeface="+mn-lt"/>
+            </a:endParaRPr>
+          </a:p>
+        </p:txBody>
+      </p:sp>
+      <p:grpSp>
+        <p:nvGrpSpPr>
+          <p:cNvPr id="3" name="组合 2">
+            <a:extLst>
+              <a:ext uri="{FF2B5EF4-FFF2-40B4-BE49-F238E27FC236}">
+                <a16:creationId xmlns:a16="http://schemas.microsoft.com/office/drawing/2014/main" id="{CF3B8F59-C87E-48F7-911B-3FCC3B1922F9}"/>
+              </a:ext>
+            </a:extLst>
+          </p:cNvPr>
+          <p:cNvGrpSpPr/>
+          <p:nvPr/>
+        </p:nvGrpSpPr>
+        <p:grpSpPr>
+          <a:xfrm>
+            <a:off x="2754561" y="787600"/>
+            <a:ext cx="6875378" cy="976561"/>
+            <a:chOff x="661187" y="1991896"/>
+            <a:chExt cx="3591185" cy="1083521"/>
+          </a:xfrm>
+        </p:grpSpPr>
+        <p:sp>
+          <p:nvSpPr>
+            <p:cNvPr id="4" name="文本框 3">
+              <a:extLst>
+                <a:ext uri="{FF2B5EF4-FFF2-40B4-BE49-F238E27FC236}">
+                  <a16:creationId xmlns:a16="http://schemas.microsoft.com/office/drawing/2014/main" id="{F069F7C5-7C6B-4416-BA43-7E9FF2B95F70}"/>
+                </a:ext>
+              </a:extLst>
+            </p:cNvPr>
+            <p:cNvSpPr txBox="1"/>
+            <p:nvPr/>
+          </p:nvSpPr>
+          <p:spPr>
+            <a:xfrm>
+              <a:off x="661187" y="1991896"/>
+              <a:ext cx="3515773" cy="785419"/>
+            </a:xfrm>
+            <a:prstGeom prst="rect">
+              <a:avLst/>
+            </a:prstGeom>
+            <a:noFill/>
+          </p:spPr>
+          <p:txBody>
+            <a:bodyPr wrap="square" rtlCol="0">
+              <a:spAutoFit/>
+            </a:bodyPr>
+            <a:lstStyle/>
+            <a:p>
+              <a:pPr algn="ctr"/>
+              <a:r>
+                <a:rPr lang="zh-TW" altLang="en-US" sz="4000" spc="400" dirty="0">
+                  <a:cs typeface="+mn-ea"/>
+                  <a:sym typeface="+mn-lt"/>
+                </a:rPr>
+                <a:t>溫</a:t>
+              </a:r>
+              <a:r>
+                <a:rPr lang="zh-TW" altLang="en-US" sz="4000" spc="400" dirty="0" smtClean="0">
+                  <a:cs typeface="+mn-ea"/>
+                  <a:sym typeface="+mn-lt"/>
+                </a:rPr>
+                <a:t>控制</a:t>
+              </a:r>
+              <a:endParaRPr lang="zh-CN" altLang="en-US" sz="4000" dirty="0">
+                <a:cs typeface="+mn-ea"/>
+                <a:sym typeface="+mn-lt"/>
+              </a:endParaRPr>
+            </a:p>
+          </p:txBody>
+        </p:sp>
+        <p:sp>
+          <p:nvSpPr>
+            <p:cNvPr id="5" name="文本框 4">
+              <a:extLst>
+                <a:ext uri="{FF2B5EF4-FFF2-40B4-BE49-F238E27FC236}">
+                  <a16:creationId xmlns:a16="http://schemas.microsoft.com/office/drawing/2014/main" id="{E7404F6D-3A40-4203-8F0A-6169C74FB4CA}"/>
+                </a:ext>
+              </a:extLst>
+            </p:cNvPr>
+            <p:cNvSpPr txBox="1"/>
+            <p:nvPr/>
+          </p:nvSpPr>
+          <p:spPr>
+            <a:xfrm>
+              <a:off x="793749" y="2699782"/>
+              <a:ext cx="3458623" cy="375635"/>
+            </a:xfrm>
+            <a:prstGeom prst="rect">
+              <a:avLst/>
+            </a:prstGeom>
+            <a:noFill/>
+          </p:spPr>
+          <p:txBody>
+            <a:bodyPr wrap="square">
+              <a:spAutoFit/>
+            </a:bodyPr>
+            <a:lstStyle/>
+            <a:p>
+              <a:pPr algn="ctr"/>
+              <a:r>
+                <a:rPr lang="en-US" altLang="zh-TW" sz="1600" dirty="0">
+                  <a:cs typeface="+mn-ea"/>
+                  <a:sym typeface="+mn-lt"/>
+                </a:rPr>
+                <a:t>Project </a:t>
+              </a:r>
+              <a:r>
+                <a:rPr lang="en-US" altLang="zh-TW" sz="1600" dirty="0" smtClean="0">
+                  <a:cs typeface="+mn-ea"/>
+                  <a:sym typeface="+mn-lt"/>
+                </a:rPr>
+                <a:t>designing</a:t>
+              </a:r>
+              <a:endParaRPr lang="zh-CN" altLang="en-US" sz="1600" dirty="0">
+                <a:cs typeface="+mn-ea"/>
+                <a:sym typeface="+mn-lt"/>
+              </a:endParaRPr>
+            </a:p>
+          </p:txBody>
+        </p:sp>
+      </p:grpSp>
+      <p:pic>
+        <p:nvPicPr>
+          <p:cNvPr id="8" name="圖片 7"/>
+          <p:cNvPicPr>
+            <a:picLocks noChangeAspect="1"/>
+          </p:cNvPicPr>
+          <p:nvPr/>
+        </p:nvPicPr>
+        <p:blipFill>
+          <a:blip r:embed="rId3"/>
+          <a:stretch>
+            <a:fillRect/>
+          </a:stretch>
+        </p:blipFill>
+        <p:spPr>
+          <a:xfrm>
+            <a:off x="3120849" y="1764162"/>
+            <a:ext cx="6256064" cy="4944682"/>
+          </a:xfrm>
+          <a:prstGeom prst="rect">
+            <a:avLst/>
+          </a:prstGeom>
+        </p:spPr>
+      </p:pic>
+      <p:sp>
+        <p:nvSpPr>
+          <p:cNvPr id="10" name="向右箭號 9"/>
+          <p:cNvSpPr/>
+          <p:nvPr/>
+        </p:nvSpPr>
+        <p:spPr>
+          <a:xfrm>
+            <a:off x="2389517" y="3407434"/>
+            <a:ext cx="1078302" cy="569343"/>
+          </a:xfrm>
+          <a:prstGeom prst="rightArrow">
+            <a:avLst/>
+          </a:prstGeom>
+        </p:spPr>
+        <p:style>
+          <a:lnRef idx="2">
+            <a:schemeClr val="accent1">
+              <a:shade val="50000"/>
+            </a:schemeClr>
+          </a:lnRef>
+          <a:fillRef idx="1">
+            <a:schemeClr val="accent1"/>
+          </a:fillRef>
+          <a:effectRef idx="0">
+            <a:schemeClr val="accent1"/>
+          </a:effectRef>
+          <a:fontRef idx="minor">
+            <a:schemeClr val="lt1"/>
+          </a:fontRef>
+        </p:style>
+        <p:txBody>
+          <a:bodyPr rtlCol="0" anchor="ctr"/>
+          <a:lstStyle/>
+          <a:p>
+            <a:pPr algn="ctr"/>
+            <a:endParaRPr lang="zh-TW" altLang="en-US"/>
+          </a:p>
+        </p:txBody>
+      </p:sp>
+      <p:sp>
+        <p:nvSpPr>
+          <p:cNvPr id="11" name="文字方塊 10"/>
+          <p:cNvSpPr txBox="1"/>
+          <p:nvPr/>
+        </p:nvSpPr>
+        <p:spPr>
+          <a:xfrm>
+            <a:off x="112144" y="3507439"/>
+            <a:ext cx="2277373" cy="369332"/>
+          </a:xfrm>
+          <a:prstGeom prst="rect">
+            <a:avLst/>
+          </a:prstGeom>
+          <a:noFill/>
+        </p:spPr>
+        <p:txBody>
+          <a:bodyPr wrap="square" rtlCol="0">
+            <a:spAutoFit/>
+          </a:bodyPr>
+          <a:lstStyle/>
+          <a:p>
+            <a:r>
+              <a:rPr lang="zh-TW" altLang="en-US" dirty="0" smtClean="0"/>
+              <a:t>調整曲線讓數值正確</a:t>
+            </a:r>
+            <a:endParaRPr lang="zh-TW" altLang="en-US" dirty="0"/>
+          </a:p>
+        </p:txBody>
+      </p:sp>
+      <p:sp>
+        <p:nvSpPr>
+          <p:cNvPr id="12" name="向右箭號 11"/>
+          <p:cNvSpPr/>
+          <p:nvPr/>
+        </p:nvSpPr>
+        <p:spPr>
+          <a:xfrm>
+            <a:off x="2389517" y="5520044"/>
+            <a:ext cx="1078302" cy="569343"/>
+          </a:xfrm>
+          <a:prstGeom prst="rightArrow">
+            <a:avLst/>
+          </a:prstGeom>
+        </p:spPr>
+        <p:style>
+          <a:lnRef idx="2">
+            <a:schemeClr val="accent1">
+              <a:shade val="50000"/>
+            </a:schemeClr>
+          </a:lnRef>
+          <a:fillRef idx="1">
+            <a:schemeClr val="accent1"/>
+          </a:fillRef>
+          <a:effectRef idx="0">
+            <a:schemeClr val="accent1"/>
+          </a:effectRef>
+          <a:fontRef idx="minor">
+            <a:schemeClr val="lt1"/>
+          </a:fontRef>
+        </p:style>
+        <p:txBody>
+          <a:bodyPr rtlCol="0" anchor="ctr"/>
+          <a:lstStyle/>
+          <a:p>
+            <a:pPr algn="ctr"/>
+            <a:endParaRPr lang="zh-TW" altLang="en-US"/>
+          </a:p>
+        </p:txBody>
+      </p:sp>
+      <p:sp>
+        <p:nvSpPr>
+          <p:cNvPr id="13" name="文字方塊 12"/>
+          <p:cNvSpPr txBox="1"/>
+          <p:nvPr/>
+        </p:nvSpPr>
+        <p:spPr>
+          <a:xfrm>
+            <a:off x="112144" y="5620049"/>
+            <a:ext cx="2277373" cy="369332"/>
+          </a:xfrm>
+          <a:prstGeom prst="rect">
+            <a:avLst/>
+          </a:prstGeom>
+          <a:noFill/>
+        </p:spPr>
+        <p:txBody>
+          <a:bodyPr wrap="square" rtlCol="0">
+            <a:spAutoFit/>
+          </a:bodyPr>
+          <a:lstStyle/>
+          <a:p>
+            <a:r>
+              <a:rPr lang="zh-TW" altLang="en-US" dirty="0"/>
+              <a:t>仍</a:t>
+            </a:r>
+            <a:r>
+              <a:rPr lang="zh-TW" altLang="en-US" dirty="0" smtClean="0"/>
+              <a:t>有錯誤會繼續修正</a:t>
+            </a:r>
+            <a:endParaRPr lang="zh-TW" altLang="en-US" dirty="0"/>
+          </a:p>
+        </p:txBody>
+      </p:sp>
+      <p:sp>
+        <p:nvSpPr>
+          <p:cNvPr id="14" name="向右箭號 13"/>
+          <p:cNvSpPr/>
+          <p:nvPr/>
+        </p:nvSpPr>
+        <p:spPr>
+          <a:xfrm rot="5400000">
+            <a:off x="8212347" y="4917057"/>
+            <a:ext cx="405442" cy="362309"/>
+          </a:xfrm>
+          <a:prstGeom prst="rightArrow">
+            <a:avLst/>
+          </a:prstGeom>
+        </p:spPr>
+        <p:style>
+          <a:lnRef idx="2">
+            <a:schemeClr val="accent1">
+              <a:shade val="50000"/>
+            </a:schemeClr>
+          </a:lnRef>
+          <a:fillRef idx="1">
+            <a:schemeClr val="accent1"/>
+          </a:fillRef>
+          <a:effectRef idx="0">
+            <a:schemeClr val="accent1"/>
+          </a:effectRef>
+          <a:fontRef idx="minor">
+            <a:schemeClr val="lt1"/>
+          </a:fontRef>
+        </p:style>
+        <p:txBody>
+          <a:bodyPr rtlCol="0" anchor="ctr"/>
+          <a:lstStyle/>
+          <a:p>
+            <a:pPr algn="ctr"/>
+            <a:endParaRPr lang="zh-TW" altLang="en-US"/>
+          </a:p>
+        </p:txBody>
+      </p:sp>
+      <p:sp>
+        <p:nvSpPr>
+          <p:cNvPr id="15" name="文字方塊 14"/>
+          <p:cNvSpPr txBox="1"/>
+          <p:nvPr/>
+        </p:nvSpPr>
+        <p:spPr>
+          <a:xfrm>
+            <a:off x="8596223" y="4895489"/>
+            <a:ext cx="1188532" cy="369332"/>
+          </a:xfrm>
+          <a:prstGeom prst="rect">
+            <a:avLst/>
+          </a:prstGeom>
+          <a:noFill/>
+        </p:spPr>
+        <p:txBody>
+          <a:bodyPr wrap="square" rtlCol="0">
+            <a:spAutoFit/>
+          </a:bodyPr>
+          <a:lstStyle/>
+          <a:p>
+            <a:r>
+              <a:rPr lang="zh-TW" altLang="en-US" dirty="0" smtClean="0"/>
+              <a:t>新增合計</a:t>
+            </a:r>
+            <a:endParaRPr lang="zh-TW" altLang="en-US" dirty="0"/>
+          </a:p>
+        </p:txBody>
+      </p:sp>
+    </p:spTree>
+    <p:custDataLst>
+      <p:tags r:id="rId1"/>
+    </p:custDataLst>
+    <p:extLst>
+      <p:ext uri="{BB962C8B-B14F-4D97-AF65-F5344CB8AC3E}">
+        <p14:creationId xmlns:p14="http://schemas.microsoft.com/office/powerpoint/2010/main" val="982829755"/>
+      </p:ext>
+    </p:extLst>
+  </p:cSld>
+  <p:clrMapOvr>
+    <a:masterClrMapping/>
+  </p:clrMapOvr>
+  <mc:AlternateContent xmlns:mc="http://schemas.openxmlformats.org/markup-compatibility/2006" xmlns:p14="http://schemas.microsoft.com/office/powerpoint/2010/main">
+    <mc:Choice Requires="p14">
+      <p:transition spd="slow" p14:dur="1500" advTm="3414">
+        <p:random/>
+      </p:transition>
+    </mc:Choice>
+    <mc:Fallback xmlns="" xmlns:a16="http://schemas.microsoft.com/office/drawing/2014/main" xmlns:a14="http://schemas.microsoft.com/office/drawing/2010/main">
+      <p:transition spd="slow" advTm="3414">
+        <p:random/>
+      </p:transition>
+    </mc:Fallback>
+  </mc:AlternateContent>
+  <p:timing>
+    <p:tnLst>
+      <p:par>
+        <p:cTn id="1" dur="indefinite" restart="never" nodeType="tmRoot">
+          <p:childTnLst>
+            <p:seq concurrent="1" nextAc="seek">
+              <p:cTn id="2" dur="indefinite" nodeType="mainSeq">
+                <p:childTnLst>
+                  <p:par>
+                    <p:cTn id="3" fill="hold">
+                      <p:stCondLst>
+                        <p:cond delay="indefinite"/>
+                      </p:stCondLst>
+                      <p:childTnLst>
+                        <p:par>
+                          <p:cTn id="4" fill="hold">
+                            <p:stCondLst>
+                              <p:cond delay="0"/>
+                            </p:stCondLst>
+                            <p:childTnLst>
+                              <p:par>
+                                <p:cTn id="5" presetID="16" presetClass="entr" presetSubtype="37" fill="hold" grpId="0" nodeType="clickEffect">
+                                  <p:stCondLst>
+                                    <p:cond delay="0"/>
+                                  </p:stCondLst>
+                                  <p:childTnLst>
+                                    <p:set>
+                                      <p:cBhvr>
+                                        <p:cTn id="6" dur="1" fill="hold">
+                                          <p:stCondLst>
+                                            <p:cond delay="0"/>
+                                          </p:stCondLst>
+                                        </p:cTn>
+                                        <p:tgtEl>
+                                          <p:spTgt spid="2"/>
+                                        </p:tgtEl>
+                                        <p:attrNameLst>
+                                          <p:attrName>style.visibility</p:attrName>
+                                        </p:attrNameLst>
+                                      </p:cBhvr>
+                                      <p:to>
+                                        <p:strVal val="visible"/>
+                                      </p:to>
+                                    </p:set>
+                                    <p:animEffect transition="in" filter="barn(outVertical)">
+                                      <p:cBhvr>
+                                        <p:cTn id="7" dur="500"/>
+                                        <p:tgtEl>
+                                          <p:spTgt spid="2"/>
+                                        </p:tgtEl>
+                                      </p:cBhvr>
+                                    </p:animEffect>
+                                  </p:childTnLst>
+                                </p:cTn>
+                              </p:par>
+                            </p:childTnLst>
+                          </p:cTn>
+                        </p:par>
+                      </p:childTnLst>
+                    </p:cTn>
+                  </p:par>
+                  <p:par>
+                    <p:cTn id="8" fill="hold">
+                      <p:stCondLst>
+                        <p:cond delay="indefinite"/>
+                      </p:stCondLst>
+                      <p:childTnLst>
+                        <p:par>
+                          <p:cTn id="9" fill="hold">
+                            <p:stCondLst>
+                              <p:cond delay="0"/>
+                            </p:stCondLst>
+                            <p:childTnLst>
+                              <p:par>
+                                <p:cTn id="10" presetID="22" presetClass="entr" presetSubtype="8" fill="hold" nodeType="clickEffect">
+                                  <p:stCondLst>
+                                    <p:cond delay="0"/>
+                                  </p:stCondLst>
+                                  <p:childTnLst>
+                                    <p:set>
+                                      <p:cBhvr>
+                                        <p:cTn id="11" dur="1" fill="hold">
+                                          <p:stCondLst>
+                                            <p:cond delay="0"/>
+                                          </p:stCondLst>
+                                        </p:cTn>
+                                        <p:tgtEl>
+                                          <p:spTgt spid="3"/>
+                                        </p:tgtEl>
+                                        <p:attrNameLst>
+                                          <p:attrName>style.visibility</p:attrName>
+                                        </p:attrNameLst>
+                                      </p:cBhvr>
+                                      <p:to>
+                                        <p:strVal val="visible"/>
+                                      </p:to>
+                                    </p:set>
+                                    <p:animEffect transition="in" filter="wipe(left)">
+                                      <p:cBhvr>
+                                        <p:cTn id="12" dur="500"/>
+                                        <p:tgtEl>
+                                          <p:spTgt spid="3"/>
+                                        </p:tgtEl>
+                                      </p:cBhvr>
+                                    </p:animEffect>
+                                  </p:childTnLst>
+                                </p:cTn>
+                              </p:par>
+                            </p:childTnLst>
+                          </p:cTn>
+                        </p:par>
+                      </p:childTnLst>
+                    </p:cTn>
+                  </p:par>
+                </p:childTnLst>
+              </p:cTn>
+              <p:prevCondLst>
+                <p:cond evt="onPrev" delay="0">
+                  <p:tgtEl>
+                    <p:sldTgt/>
+                  </p:tgtEl>
+                </p:cond>
+              </p:prevCondLst>
+              <p:nextCondLst>
+                <p:cond evt="onNext" delay="0">
+                  <p:tgtEl>
+                    <p:sldTgt/>
+                  </p:tgtEl>
+                </p:cond>
+              </p:nextCondLst>
+            </p:seq>
+          </p:childTnLst>
+        </p:cTn>
+      </p:par>
+    </p:tnLst>
+    <p:bldLst>
+      <p:bldP spid="2" grpId="0" animBg="1"/>
+    </p:bldLst>
+  </p:timing>
+</p:sld>
+</file>
+
+<file path=ppt/slides/slide8.xml><?xml version="1.0" encoding="utf-8"?>
+<p:sld xmlns:a="http://schemas.openxmlformats.org/drawingml/2006/main" xmlns:r="http://schemas.openxmlformats.org/officeDocument/2006/relationships" xmlns:p="http://schemas.openxmlformats.org/presentationml/2006/main">
+  <p:cSld>
+    <p:spTree>
+      <p:nvGrpSpPr>
+        <p:cNvPr id="1" name=""/>
+        <p:cNvGrpSpPr/>
+        <p:nvPr/>
+      </p:nvGrpSpPr>
+      <p:grpSpPr>
+        <a:xfrm>
+          <a:off x="0" y="0"/>
+          <a:ext cx="0" cy="0"/>
+          <a:chOff x="0" y="0"/>
+          <a:chExt cx="0" cy="0"/>
+        </a:xfrm>
+      </p:grpSpPr>
+      <p:sp>
+        <p:nvSpPr>
+          <p:cNvPr id="2" name="矩形 1">
+            <a:extLst>
+              <a:ext uri="{FF2B5EF4-FFF2-40B4-BE49-F238E27FC236}">
+                <a16:creationId xmlns:a16="http://schemas.microsoft.com/office/drawing/2014/main" id="{6130B33B-FCB5-4AFA-8175-BA08126D80E1}"/>
               </a:ext>
             </a:extLst>
           </p:cNvPr>
@@ -7848,7 +8824,7 @@
           <p:cNvPr id="3" name="组合 2">
             <a:extLst>
               <a:ext uri="{FF2B5EF4-FFF2-40B4-BE49-F238E27FC236}">
-                <a16:creationId xmlns:a16="http://schemas.microsoft.com/office/drawing/2014/main" xmlns="" id="{CF3B8F59-C87E-48F7-911B-3FCC3B1922F9}"/>
+                <a16:creationId xmlns:a16="http://schemas.microsoft.com/office/drawing/2014/main" id="{CF3B8F59-C87E-48F7-911B-3FCC3B1922F9}"/>
               </a:ext>
             </a:extLst>
           </p:cNvPr>
@@ -7868,7 +8844,7 @@
             <p:cNvPr id="4" name="文本框 3">
               <a:extLst>
                 <a:ext uri="{FF2B5EF4-FFF2-40B4-BE49-F238E27FC236}">
-                  <a16:creationId xmlns:a16="http://schemas.microsoft.com/office/drawing/2014/main" xmlns="" id="{F069F7C5-7C6B-4416-BA43-7E9FF2B95F70}"/>
+                  <a16:creationId xmlns:a16="http://schemas.microsoft.com/office/drawing/2014/main" id="{F069F7C5-7C6B-4416-BA43-7E9FF2B95F70}"/>
                 </a:ext>
               </a:extLst>
             </p:cNvPr>
@@ -7911,7 +8887,7 @@
             <p:cNvPr id="5" name="文本框 4">
               <a:extLst>
                 <a:ext uri="{FF2B5EF4-FFF2-40B4-BE49-F238E27FC236}">
-                  <a16:creationId xmlns:a16="http://schemas.microsoft.com/office/drawing/2014/main" xmlns="" id="{E7404F6D-3A40-4203-8F0A-6169C74FB4CA}"/>
+                  <a16:creationId xmlns:a16="http://schemas.microsoft.com/office/drawing/2014/main" id="{E7404F6D-3A40-4203-8F0A-6169C74FB4CA}"/>
                 </a:ext>
               </a:extLst>
             </p:cNvPr>
@@ -7965,8 +8941,8 @@
         </p:nvSpPr>
         <p:spPr>
           <a:xfrm>
-            <a:off x="2855995" y="2647024"/>
-            <a:ext cx="7792955" cy="1384995"/>
+            <a:off x="2838743" y="2051542"/>
+            <a:ext cx="7792955" cy="3108543"/>
           </a:xfrm>
           <a:prstGeom prst="rect">
             <a:avLst/>
@@ -7985,7 +8961,55 @@
             </a:pPr>
             <a:r>
               <a:rPr lang="zh-TW" altLang="en-US" sz="2800" dirty="0" smtClean="0"/>
-              <a:t>將總監給的資料放入溫室型式設計裡</a:t>
+              <a:t>將光溫控制有</a:t>
+            </a:r>
+            <a:r>
+              <a:rPr lang="en-US" altLang="zh-TW" sz="2800" dirty="0" smtClean="0"/>
+              <a:t>bug</a:t>
+            </a:r>
+            <a:r>
+              <a:rPr lang="zh-TW" altLang="en-US" sz="2800" dirty="0" smtClean="0"/>
+              <a:t>的繼續修正</a:t>
+            </a:r>
+            <a:endParaRPr lang="en-US" altLang="zh-TW" sz="2800" dirty="0" smtClean="0"/>
+          </a:p>
+          <a:p>
+            <a:pPr marL="285750" indent="-285750">
+              <a:buFont typeface="Wingdings" panose="05000000000000000000" pitchFamily="2" charset="2"/>
+              <a:buChar char="l"/>
+            </a:pPr>
+            <a:endParaRPr lang="en-US" altLang="zh-TW" sz="2800" dirty="0" smtClean="0"/>
+          </a:p>
+          <a:p>
+            <a:pPr marL="285750" indent="-285750">
+              <a:buFont typeface="Wingdings" panose="05000000000000000000" pitchFamily="2" charset="2"/>
+              <a:buChar char="l"/>
+            </a:pPr>
+            <a:r>
+              <a:rPr lang="zh-TW" altLang="en-US" sz="2800" dirty="0" smtClean="0"/>
+              <a:t>修改環控分析</a:t>
+            </a:r>
+            <a:endParaRPr lang="en-US" altLang="zh-TW" sz="2800" dirty="0" smtClean="0"/>
+          </a:p>
+          <a:p>
+            <a:pPr marL="285750" indent="-285750">
+              <a:buFont typeface="Wingdings" panose="05000000000000000000" pitchFamily="2" charset="2"/>
+              <a:buChar char="l"/>
+            </a:pPr>
+            <a:endParaRPr lang="en-US" altLang="zh-TW" sz="2800" dirty="0" smtClean="0"/>
+          </a:p>
+          <a:p>
+            <a:pPr marL="285750" indent="-285750">
+              <a:buFont typeface="Wingdings" panose="05000000000000000000" pitchFamily="2" charset="2"/>
+              <a:buChar char="l"/>
+            </a:pPr>
+            <a:r>
+              <a:rPr lang="zh-TW" altLang="en-US" sz="2800" dirty="0"/>
+              <a:t>修改溫室型式</a:t>
+            </a:r>
+            <a:r>
+              <a:rPr lang="zh-TW" altLang="en-US" sz="2800" dirty="0" smtClean="0"/>
+              <a:t>設計</a:t>
             </a:r>
             <a:endParaRPr lang="en-US" altLang="zh-TW" sz="2800" dirty="0" smtClean="0"/>
           </a:p>
@@ -8003,9 +9027,9 @@
             </a:pPr>
             <a:r>
               <a:rPr lang="zh-TW" altLang="en-US" sz="2800" dirty="0" smtClean="0"/>
-              <a:t>與總監討論後續的規劃</a:t>
-            </a:r>
-            <a:endParaRPr lang="en-US" altLang="zh-TW" sz="2800" dirty="0" smtClean="0"/>
+              <a:t>將總監給的資料放入資料庫</a:t>
+            </a:r>
+            <a:endParaRPr lang="en-US" altLang="zh-TW" sz="2800" dirty="0"/>
           </a:p>
         </p:txBody>
       </p:sp>
@@ -8173,7 +9197,7 @@
 </p:sld>
 </file>
 
-<file path=ppt/slides/slide7.xml><?xml version="1.0" encoding="utf-8"?>
+<file path=ppt/slides/slide9.xml><?xml version="1.0" encoding="utf-8"?>
 <p:sld xmlns:a="http://schemas.openxmlformats.org/drawingml/2006/main" xmlns:r="http://schemas.openxmlformats.org/officeDocument/2006/relationships" xmlns:p="http://schemas.openxmlformats.org/presentationml/2006/main">
   <p:cSld>
     <p:spTree>
@@ -8195,7 +9219,7 @@
           <p:cNvPr id="18" name="矩形: 圆角 17">
             <a:extLst>
               <a:ext uri="{FF2B5EF4-FFF2-40B4-BE49-F238E27FC236}">
-                <a16:creationId xmlns:a16="http://schemas.microsoft.com/office/drawing/2014/main" xmlns="" id="{822EAB1A-0613-4B84-B43A-020769A84C2F}"/>
+                <a16:creationId xmlns:a16="http://schemas.microsoft.com/office/drawing/2014/main" id="{822EAB1A-0613-4B84-B43A-020769A84C2F}"/>
               </a:ext>
             </a:extLst>
           </p:cNvPr>
@@ -8286,7 +9310,7 @@
           <p:cNvPr id="4" name="矩形: 圆角 3">
             <a:extLst>
               <a:ext uri="{FF2B5EF4-FFF2-40B4-BE49-F238E27FC236}">
-                <a16:creationId xmlns:a16="http://schemas.microsoft.com/office/drawing/2014/main" xmlns="" id="{CFAF4C25-9AB4-4329-B21C-0F7CB88F0784}"/>
+                <a16:creationId xmlns:a16="http://schemas.microsoft.com/office/drawing/2014/main" id="{CFAF4C25-9AB4-4329-B21C-0F7CB88F0784}"/>
               </a:ext>
             </a:extLst>
           </p:cNvPr>
@@ -8377,7 +9401,7 @@
           <p:cNvPr id="7" name="文本框 6">
             <a:extLst>
               <a:ext uri="{FF2B5EF4-FFF2-40B4-BE49-F238E27FC236}">
-                <a16:creationId xmlns:a16="http://schemas.microsoft.com/office/drawing/2014/main" xmlns="" id="{D2947702-0219-4F74-958A-0A5A704ECCC4}"/>
+                <a16:creationId xmlns:a16="http://schemas.microsoft.com/office/drawing/2014/main" id="{D2947702-0219-4F74-958A-0A5A704ECCC4}"/>
               </a:ext>
             </a:extLst>
           </p:cNvPr>
@@ -8454,7 +9478,7 @@
           <p:cNvPr id="8" name="椭圆 7">
             <a:extLst>
               <a:ext uri="{FF2B5EF4-FFF2-40B4-BE49-F238E27FC236}">
-                <a16:creationId xmlns:a16="http://schemas.microsoft.com/office/drawing/2014/main" xmlns="" id="{08B93554-9443-4291-83BC-91BEC5088783}"/>
+                <a16:creationId xmlns:a16="http://schemas.microsoft.com/office/drawing/2014/main" id="{08B93554-9443-4291-83BC-91BEC5088783}"/>
               </a:ext>
             </a:extLst>
           </p:cNvPr>
@@ -8541,7 +9565,7 @@
           <p:cNvPr id="9" name="椭圆 8">
             <a:extLst>
               <a:ext uri="{FF2B5EF4-FFF2-40B4-BE49-F238E27FC236}">
-                <a16:creationId xmlns:a16="http://schemas.microsoft.com/office/drawing/2014/main" xmlns="" id="{16338DEE-2916-4AC7-A537-1507B9F2A824}"/>
+                <a16:creationId xmlns:a16="http://schemas.microsoft.com/office/drawing/2014/main" id="{16338DEE-2916-4AC7-A537-1507B9F2A824}"/>
               </a:ext>
             </a:extLst>
           </p:cNvPr>
@@ -8642,7 +9666,7 @@
         <p:random/>
       </p:transition>
     </mc:Choice>
-    <mc:Fallback xmlns:a16="http://schemas.microsoft.com/office/drawing/2014/main" xmlns="">
+    <mc:Fallback xmlns="" xmlns:a16="http://schemas.microsoft.com/office/drawing/2014/main">
       <p:transition spd="slow" advTm="3880">
         <p:random/>
       </p:transition>
@@ -8814,6 +9838,18 @@
 </file>
 
 <file path=ppt/tags/tag6.xml><?xml version="1.0" encoding="utf-8"?>
+<p:tagLst xmlns:a="http://schemas.openxmlformats.org/drawingml/2006/main" xmlns:r="http://schemas.openxmlformats.org/officeDocument/2006/relationships" xmlns:p="http://schemas.openxmlformats.org/presentationml/2006/main">
+  <p:tag name="TIMING" val="|0.3|0.4|0.4|0.8"/>
+</p:tagLst>
+</file>
+
+<file path=ppt/tags/tag7.xml><?xml version="1.0" encoding="utf-8"?>
+<p:tagLst xmlns:a="http://schemas.openxmlformats.org/drawingml/2006/main" xmlns:r="http://schemas.openxmlformats.org/officeDocument/2006/relationships" xmlns:p="http://schemas.openxmlformats.org/presentationml/2006/main">
+  <p:tag name="TIMING" val="|0.3|0.4|0.4|0.8"/>
+</p:tagLst>
+</file>
+
+<file path=ppt/tags/tag8.xml><?xml version="1.0" encoding="utf-8"?>
 <p:tagLst xmlns:a="http://schemas.openxmlformats.org/drawingml/2006/main" xmlns:r="http://schemas.openxmlformats.org/officeDocument/2006/relationships" xmlns:p="http://schemas.openxmlformats.org/presentationml/2006/main">
   <p:tag name="TIMING" val="|0.4|0.5|1.1|0.4"/>
 </p:tagLst>
@@ -9014,7 +10050,7 @@
   <a:extraClrSchemeLst/>
   <a:extLst>
     <a:ext uri="{05A4C25C-085E-4340-85A3-A5531E510DB2}">
-      <thm15:themeFamily xmlns:thm15="http://schemas.microsoft.com/office/thememl/2012/main" xmlns="" name="Office Theme" id="{62F939B6-93AF-4DB8-9C6B-D6C7DFDC589F}" vid="{4A3C46E8-61CC-4603-A589-7422A47A8E4A}"/>
+      <thm15:themeFamily xmlns:thm15="http://schemas.microsoft.com/office/thememl/2012/main" name="Office Theme" id="{62F939B6-93AF-4DB8-9C6B-D6C7DFDC589F}" vid="{4A3C46E8-61CC-4603-A589-7422A47A8E4A}"/>
     </a:ext>
   </a:extLst>
 </a:theme>
@@ -9560,7 +10596,7 @@
   <a:extraClrSchemeLst/>
   <a:extLst>
     <a:ext uri="{05A4C25C-085E-4340-85A3-A5531E510DB2}">
-      <thm15:themeFamily xmlns:thm15="http://schemas.microsoft.com/office/thememl/2012/main" xmlns="" name="Office Theme" id="{62F939B6-93AF-4DB8-9C6B-D6C7DFDC589F}" vid="{4A3C46E8-61CC-4603-A589-7422A47A8E4A}"/>
+      <thm15:themeFamily xmlns:thm15="http://schemas.microsoft.com/office/thememl/2012/main" name="Office Theme" id="{62F939B6-93AF-4DB8-9C6B-D6C7DFDC589F}" vid="{4A3C46E8-61CC-4603-A589-7422A47A8E4A}"/>
     </a:ext>
   </a:extLst>
 </a:theme>
